--- a/Aulas/Aula02AmbientesVirtuais/ambientes_virtuais.pptx
+++ b/Aulas/Aula02AmbientesVirtuais/ambientes_virtuais.pptx
@@ -127,6 +127,11 @@
       </a:defRPr>
     </a:lvl9pPr>
   </p:defaultTextStyle>
+  <p:extLst>
+    <p:ext uri="{EFAFB233-063F-42B5-8137-9DF3F51BA10A}">
+      <p15:sldGuideLst xmlns:p15="http://schemas.microsoft.com/office/powerpoint/2012/main"/>
+    </p:ext>
+  </p:extLst>
 </p:presentation>
 </file>
 
@@ -212,7 +217,7 @@
           <a:p>
             <a:fld id="{144AEA6A-CC3B-4872-BA22-FBC35A6C1231}" type="datetimeFigureOut">
               <a:rPr lang="pt-BR" smtClean="0"/>
-              <a:t>27/04/2020</a:t>
+              <a:t>10/03/2025</a:t>
             </a:fld>
             <a:endParaRPr lang="pt-BR"/>
           </a:p>
@@ -529,7 +534,7 @@
           <a:noFill/>
           <a:extLst>
             <a:ext uri="{909E8E84-426E-40dd-AFC4-6F175D3DCCD1}">
-              <a14:hiddenFill xmlns:a14="http://schemas.microsoft.com/office/drawing/2010/main" xmlns="">
+              <a14:hiddenFill xmlns="" xmlns:a14="http://schemas.microsoft.com/office/drawing/2010/main">
                 <a:solidFill>
                   <a:srgbClr val="FFFFFF"/>
                 </a:solidFill>
@@ -589,7 +594,7 @@
             </a:ln>
             <a:extLst>
               <a:ext uri="{91240B29-F687-4f45-9708-019B960494DF}">
-                <a14:hiddenLine xmlns:a14="http://schemas.microsoft.com/office/drawing/2010/main" xmlns="" w="9525">
+                <a14:hiddenLine xmlns="" xmlns:a14="http://schemas.microsoft.com/office/drawing/2010/main" w="9525">
                   <a:solidFill>
                     <a:srgbClr val="000000"/>
                   </a:solidFill>
@@ -679,7 +684,7 @@
             </a:ln>
             <a:extLst>
               <a:ext uri="{91240B29-F687-4f45-9708-019B960494DF}">
-                <a14:hiddenLine xmlns:a14="http://schemas.microsoft.com/office/drawing/2010/main" xmlns="" w="9525">
+                <a14:hiddenLine xmlns="" xmlns:a14="http://schemas.microsoft.com/office/drawing/2010/main" w="9525">
                   <a:solidFill>
                     <a:srgbClr val="000000"/>
                   </a:solidFill>
@@ -769,7 +774,7 @@
             </a:ln>
             <a:extLst>
               <a:ext uri="{91240B29-F687-4f45-9708-019B960494DF}">
-                <a14:hiddenLine xmlns:a14="http://schemas.microsoft.com/office/drawing/2010/main" xmlns="" w="9525">
+                <a14:hiddenLine xmlns="" xmlns:a14="http://schemas.microsoft.com/office/drawing/2010/main" w="9525">
                   <a:solidFill>
                     <a:srgbClr val="000000"/>
                   </a:solidFill>
@@ -803,7 +808,7 @@
             </a:ln>
             <a:extLst>
               <a:ext uri="{91240B29-F687-4f45-9708-019B960494DF}">
-                <a14:hiddenLine xmlns:a14="http://schemas.microsoft.com/office/drawing/2010/main" xmlns="" w="9525">
+                <a14:hiddenLine xmlns="" xmlns:a14="http://schemas.microsoft.com/office/drawing/2010/main" w="9525">
                   <a:solidFill>
                     <a:srgbClr val="000000"/>
                   </a:solidFill>
@@ -893,7 +898,7 @@
             </a:ln>
             <a:extLst>
               <a:ext uri="{91240B29-F687-4f45-9708-019B960494DF}">
-                <a14:hiddenLine xmlns:a14="http://schemas.microsoft.com/office/drawing/2010/main" xmlns="" w="9525">
+                <a14:hiddenLine xmlns="" xmlns:a14="http://schemas.microsoft.com/office/drawing/2010/main" w="9525">
                   <a:solidFill>
                     <a:srgbClr val="000000"/>
                   </a:solidFill>
@@ -955,7 +960,7 @@
             </a:ln>
             <a:extLst>
               <a:ext uri="{91240B29-F687-4f45-9708-019B960494DF}">
-                <a14:hiddenLine xmlns:a14="http://schemas.microsoft.com/office/drawing/2010/main" xmlns="" w="9525">
+                <a14:hiddenLine xmlns="" xmlns:a14="http://schemas.microsoft.com/office/drawing/2010/main" w="9525">
                   <a:solidFill>
                     <a:srgbClr val="000000"/>
                   </a:solidFill>
@@ -1017,7 +1022,7 @@
             </a:ln>
             <a:extLst>
               <a:ext uri="{91240B29-F687-4f45-9708-019B960494DF}">
-                <a14:hiddenLine xmlns:a14="http://schemas.microsoft.com/office/drawing/2010/main" xmlns="" w="9525">
+                <a14:hiddenLine xmlns="" xmlns:a14="http://schemas.microsoft.com/office/drawing/2010/main" w="9525">
                   <a:solidFill>
                     <a:srgbClr val="000000"/>
                   </a:solidFill>
@@ -1107,7 +1112,7 @@
             </a:ln>
             <a:extLst>
               <a:ext uri="{91240B29-F687-4f45-9708-019B960494DF}">
-                <a14:hiddenLine xmlns:a14="http://schemas.microsoft.com/office/drawing/2010/main" xmlns="" w="9525">
+                <a14:hiddenLine xmlns="" xmlns:a14="http://schemas.microsoft.com/office/drawing/2010/main" w="9525">
                   <a:solidFill>
                     <a:srgbClr val="000000"/>
                   </a:solidFill>
@@ -1169,7 +1174,7 @@
             </a:ln>
             <a:extLst>
               <a:ext uri="{91240B29-F687-4f45-9708-019B960494DF}">
-                <a14:hiddenLine xmlns:a14="http://schemas.microsoft.com/office/drawing/2010/main" xmlns="" w="9525">
+                <a14:hiddenLine xmlns="" xmlns:a14="http://schemas.microsoft.com/office/drawing/2010/main" w="9525">
                   <a:solidFill>
                     <a:srgbClr val="000000"/>
                   </a:solidFill>
@@ -1231,7 +1236,7 @@
             </a:ln>
             <a:extLst>
               <a:ext uri="{91240B29-F687-4f45-9708-019B960494DF}">
-                <a14:hiddenLine xmlns:a14="http://schemas.microsoft.com/office/drawing/2010/main" xmlns="" w="9525">
+                <a14:hiddenLine xmlns="" xmlns:a14="http://schemas.microsoft.com/office/drawing/2010/main" w="9525">
                   <a:solidFill>
                     <a:srgbClr val="000000"/>
                   </a:solidFill>
@@ -1321,7 +1326,7 @@
             </a:ln>
             <a:extLst>
               <a:ext uri="{91240B29-F687-4f45-9708-019B960494DF}">
-                <a14:hiddenLine xmlns:a14="http://schemas.microsoft.com/office/drawing/2010/main" xmlns="" w="9525">
+                <a14:hiddenLine xmlns="" xmlns:a14="http://schemas.microsoft.com/office/drawing/2010/main" w="9525">
                   <a:solidFill>
                     <a:srgbClr val="000000"/>
                   </a:solidFill>
@@ -1411,7 +1416,7 @@
             </a:ln>
             <a:extLst>
               <a:ext uri="{91240B29-F687-4f45-9708-019B960494DF}">
-                <a14:hiddenLine xmlns:a14="http://schemas.microsoft.com/office/drawing/2010/main" xmlns="" w="9525">
+                <a14:hiddenLine xmlns="" xmlns:a14="http://schemas.microsoft.com/office/drawing/2010/main" w="9525">
                   <a:solidFill>
                     <a:srgbClr val="000000"/>
                   </a:solidFill>
@@ -1473,7 +1478,7 @@
             </a:ln>
             <a:extLst>
               <a:ext uri="{91240B29-F687-4f45-9708-019B960494DF}">
-                <a14:hiddenLine xmlns:a14="http://schemas.microsoft.com/office/drawing/2010/main" xmlns="" w="9525">
+                <a14:hiddenLine xmlns="" xmlns:a14="http://schemas.microsoft.com/office/drawing/2010/main" w="9525">
                   <a:solidFill>
                     <a:srgbClr val="000000"/>
                   </a:solidFill>
@@ -1583,7 +1588,7 @@
             </a:ln>
             <a:extLst>
               <a:ext uri="{91240B29-F687-4f45-9708-019B960494DF}">
-                <a14:hiddenLine xmlns:a14="http://schemas.microsoft.com/office/drawing/2010/main" xmlns="" w="9525">
+                <a14:hiddenLine xmlns="" xmlns:a14="http://schemas.microsoft.com/office/drawing/2010/main" w="9525">
                   <a:solidFill>
                     <a:srgbClr val="000000"/>
                   </a:solidFill>
@@ -1645,7 +1650,7 @@
             </a:ln>
             <a:extLst>
               <a:ext uri="{91240B29-F687-4f45-9708-019B960494DF}">
-                <a14:hiddenLine xmlns:a14="http://schemas.microsoft.com/office/drawing/2010/main" xmlns="" w="9525">
+                <a14:hiddenLine xmlns="" xmlns:a14="http://schemas.microsoft.com/office/drawing/2010/main" w="9525">
                   <a:solidFill>
                     <a:srgbClr val="000000"/>
                   </a:solidFill>
@@ -1735,7 +1740,7 @@
             </a:ln>
             <a:extLst>
               <a:ext uri="{91240B29-F687-4f45-9708-019B960494DF}">
-                <a14:hiddenLine xmlns:a14="http://schemas.microsoft.com/office/drawing/2010/main" xmlns="" w="9525">
+                <a14:hiddenLine xmlns="" xmlns:a14="http://schemas.microsoft.com/office/drawing/2010/main" w="9525">
                   <a:solidFill>
                     <a:srgbClr val="000000"/>
                   </a:solidFill>
@@ -1825,7 +1830,7 @@
             </a:ln>
             <a:extLst>
               <a:ext uri="{91240B29-F687-4f45-9708-019B960494DF}">
-                <a14:hiddenLine xmlns:a14="http://schemas.microsoft.com/office/drawing/2010/main" xmlns="" w="9525">
+                <a14:hiddenLine xmlns="" xmlns:a14="http://schemas.microsoft.com/office/drawing/2010/main" w="9525">
                   <a:solidFill>
                     <a:srgbClr val="000000"/>
                   </a:solidFill>
@@ -1887,7 +1892,7 @@
             </a:ln>
             <a:extLst>
               <a:ext uri="{91240B29-F687-4f45-9708-019B960494DF}">
-                <a14:hiddenLine xmlns:a14="http://schemas.microsoft.com/office/drawing/2010/main" xmlns="" w="9525">
+                <a14:hiddenLine xmlns="" xmlns:a14="http://schemas.microsoft.com/office/drawing/2010/main" w="9525">
                   <a:solidFill>
                     <a:srgbClr val="000000"/>
                   </a:solidFill>
@@ -1977,7 +1982,7 @@
             </a:ln>
             <a:extLst>
               <a:ext uri="{91240B29-F687-4f45-9708-019B960494DF}">
-                <a14:hiddenLine xmlns:a14="http://schemas.microsoft.com/office/drawing/2010/main" xmlns="" w="9525">
+                <a14:hiddenLine xmlns="" xmlns:a14="http://schemas.microsoft.com/office/drawing/2010/main" w="9525">
                   <a:solidFill>
                     <a:srgbClr val="000000"/>
                   </a:solidFill>
@@ -2067,7 +2072,7 @@
             </a:ln>
             <a:extLst>
               <a:ext uri="{91240B29-F687-4f45-9708-019B960494DF}">
-                <a14:hiddenLine xmlns:a14="http://schemas.microsoft.com/office/drawing/2010/main" xmlns="" w="9525">
+                <a14:hiddenLine xmlns="" xmlns:a14="http://schemas.microsoft.com/office/drawing/2010/main" w="9525">
                   <a:solidFill>
                     <a:srgbClr val="000000"/>
                   </a:solidFill>
@@ -2123,7 +2128,7 @@
             </a:ln>
             <a:extLst>
               <a:ext uri="{91240B29-F687-4f45-9708-019B960494DF}">
-                <a14:hiddenLine xmlns:a14="http://schemas.microsoft.com/office/drawing/2010/main" xmlns="" w="9525">
+                <a14:hiddenLine xmlns="" xmlns:a14="http://schemas.microsoft.com/office/drawing/2010/main" w="9525">
                   <a:solidFill>
                     <a:srgbClr val="000000"/>
                   </a:solidFill>
@@ -2213,7 +2218,7 @@
             </a:ln>
             <a:extLst>
               <a:ext uri="{91240B29-F687-4f45-9708-019B960494DF}">
-                <a14:hiddenLine xmlns:a14="http://schemas.microsoft.com/office/drawing/2010/main" xmlns="" w="9525">
+                <a14:hiddenLine xmlns="" xmlns:a14="http://schemas.microsoft.com/office/drawing/2010/main" w="9525">
                   <a:solidFill>
                     <a:srgbClr val="000000"/>
                   </a:solidFill>
@@ -2269,7 +2274,7 @@
             </a:ln>
             <a:extLst>
               <a:ext uri="{91240B29-F687-4f45-9708-019B960494DF}">
-                <a14:hiddenLine xmlns:a14="http://schemas.microsoft.com/office/drawing/2010/main" xmlns="" w="9525">
+                <a14:hiddenLine xmlns="" xmlns:a14="http://schemas.microsoft.com/office/drawing/2010/main" w="9525">
                   <a:solidFill>
                     <a:srgbClr val="000000"/>
                   </a:solidFill>
@@ -2359,7 +2364,7 @@
             </a:ln>
             <a:extLst>
               <a:ext uri="{91240B29-F687-4f45-9708-019B960494DF}">
-                <a14:hiddenLine xmlns:a14="http://schemas.microsoft.com/office/drawing/2010/main" xmlns="" w="9525">
+                <a14:hiddenLine xmlns="" xmlns:a14="http://schemas.microsoft.com/office/drawing/2010/main" w="9525">
                   <a:solidFill>
                     <a:srgbClr val="000000"/>
                   </a:solidFill>
@@ -2427,7 +2432,7 @@
             </a:ln>
             <a:extLst>
               <a:ext uri="{91240B29-F687-4f45-9708-019B960494DF}">
-                <a14:hiddenLine xmlns:a14="http://schemas.microsoft.com/office/drawing/2010/main" xmlns="" w="9525">
+                <a14:hiddenLine xmlns="" xmlns:a14="http://schemas.microsoft.com/office/drawing/2010/main" w="9525">
                   <a:solidFill>
                     <a:srgbClr val="000000"/>
                   </a:solidFill>
@@ -2517,7 +2522,7 @@
             </a:ln>
             <a:extLst>
               <a:ext uri="{91240B29-F687-4f45-9708-019B960494DF}">
-                <a14:hiddenLine xmlns:a14="http://schemas.microsoft.com/office/drawing/2010/main" xmlns="" w="9525">
+                <a14:hiddenLine xmlns="" xmlns:a14="http://schemas.microsoft.com/office/drawing/2010/main" w="9525">
                   <a:solidFill>
                     <a:srgbClr val="000000"/>
                   </a:solidFill>
@@ -2585,7 +2590,7 @@
             </a:ln>
             <a:extLst>
               <a:ext uri="{91240B29-F687-4f45-9708-019B960494DF}">
-                <a14:hiddenLine xmlns:a14="http://schemas.microsoft.com/office/drawing/2010/main" xmlns="" w="9525">
+                <a14:hiddenLine xmlns="" xmlns:a14="http://schemas.microsoft.com/office/drawing/2010/main" w="9525">
                   <a:solidFill>
                     <a:srgbClr val="000000"/>
                   </a:solidFill>
@@ -2675,7 +2680,7 @@
             </a:ln>
             <a:extLst>
               <a:ext uri="{91240B29-F687-4f45-9708-019B960494DF}">
-                <a14:hiddenLine xmlns:a14="http://schemas.microsoft.com/office/drawing/2010/main" xmlns="" w="9525">
+                <a14:hiddenLine xmlns="" xmlns:a14="http://schemas.microsoft.com/office/drawing/2010/main" w="9525">
                   <a:solidFill>
                     <a:srgbClr val="000000"/>
                   </a:solidFill>
@@ -2709,7 +2714,7 @@
             </a:ln>
             <a:extLst>
               <a:ext uri="{91240B29-F687-4f45-9708-019B960494DF}">
-                <a14:hiddenLine xmlns:a14="http://schemas.microsoft.com/office/drawing/2010/main" xmlns="" w="9525">
+                <a14:hiddenLine xmlns="" xmlns:a14="http://schemas.microsoft.com/office/drawing/2010/main" w="9525">
                   <a:solidFill>
                     <a:srgbClr val="000000"/>
                   </a:solidFill>
@@ -2799,7 +2804,7 @@
             </a:ln>
             <a:extLst>
               <a:ext uri="{91240B29-F687-4f45-9708-019B960494DF}">
-                <a14:hiddenLine xmlns:a14="http://schemas.microsoft.com/office/drawing/2010/main" xmlns="" w="9525">
+                <a14:hiddenLine xmlns="" xmlns:a14="http://schemas.microsoft.com/office/drawing/2010/main" w="9525">
                   <a:solidFill>
                     <a:srgbClr val="000000"/>
                   </a:solidFill>
@@ -2861,7 +2866,7 @@
             </a:ln>
             <a:extLst>
               <a:ext uri="{91240B29-F687-4f45-9708-019B960494DF}">
-                <a14:hiddenLine xmlns:a14="http://schemas.microsoft.com/office/drawing/2010/main" xmlns="" w="9525">
+                <a14:hiddenLine xmlns="" xmlns:a14="http://schemas.microsoft.com/office/drawing/2010/main" w="9525">
                   <a:solidFill>
                     <a:srgbClr val="000000"/>
                   </a:solidFill>
@@ -2923,7 +2928,7 @@
             </a:ln>
             <a:extLst>
               <a:ext uri="{91240B29-F687-4f45-9708-019B960494DF}">
-                <a14:hiddenLine xmlns:a14="http://schemas.microsoft.com/office/drawing/2010/main" xmlns="" w="9525">
+                <a14:hiddenLine xmlns="" xmlns:a14="http://schemas.microsoft.com/office/drawing/2010/main" w="9525">
                   <a:solidFill>
                     <a:srgbClr val="000000"/>
                   </a:solidFill>
@@ -3013,7 +3018,7 @@
             </a:ln>
             <a:extLst>
               <a:ext uri="{91240B29-F687-4f45-9708-019B960494DF}">
-                <a14:hiddenLine xmlns:a14="http://schemas.microsoft.com/office/drawing/2010/main" xmlns="" w="9525">
+                <a14:hiddenLine xmlns="" xmlns:a14="http://schemas.microsoft.com/office/drawing/2010/main" w="9525">
                   <a:solidFill>
                     <a:srgbClr val="000000"/>
                   </a:solidFill>
@@ -3081,7 +3086,7 @@
             </a:ln>
             <a:extLst>
               <a:ext uri="{91240B29-F687-4f45-9708-019B960494DF}">
-                <a14:hiddenLine xmlns:a14="http://schemas.microsoft.com/office/drawing/2010/main" xmlns="" w="9525">
+                <a14:hiddenLine xmlns="" xmlns:a14="http://schemas.microsoft.com/office/drawing/2010/main" w="9525">
                   <a:solidFill>
                     <a:srgbClr val="000000"/>
                   </a:solidFill>
@@ -3143,7 +3148,7 @@
             </a:ln>
             <a:extLst>
               <a:ext uri="{91240B29-F687-4f45-9708-019B960494DF}">
-                <a14:hiddenLine xmlns:a14="http://schemas.microsoft.com/office/drawing/2010/main" xmlns="" w="9525">
+                <a14:hiddenLine xmlns="" xmlns:a14="http://schemas.microsoft.com/office/drawing/2010/main" w="9525">
                   <a:solidFill>
                     <a:srgbClr val="000000"/>
                   </a:solidFill>
@@ -3233,7 +3238,7 @@
             </a:ln>
             <a:extLst>
               <a:ext uri="{91240B29-F687-4f45-9708-019B960494DF}">
-                <a14:hiddenLine xmlns:a14="http://schemas.microsoft.com/office/drawing/2010/main" xmlns="" w="9525">
+                <a14:hiddenLine xmlns="" xmlns:a14="http://schemas.microsoft.com/office/drawing/2010/main" w="9525">
                   <a:solidFill>
                     <a:srgbClr val="000000"/>
                   </a:solidFill>
@@ -3295,7 +3300,7 @@
             </a:ln>
             <a:extLst>
               <a:ext uri="{91240B29-F687-4f45-9708-019B960494DF}">
-                <a14:hiddenLine xmlns:a14="http://schemas.microsoft.com/office/drawing/2010/main" xmlns="" w="9525">
+                <a14:hiddenLine xmlns="" xmlns:a14="http://schemas.microsoft.com/office/drawing/2010/main" w="9525">
                   <a:solidFill>
                     <a:srgbClr val="000000"/>
                   </a:solidFill>
@@ -3385,7 +3390,7 @@
             </a:ln>
             <a:extLst>
               <a:ext uri="{91240B29-F687-4f45-9708-019B960494DF}">
-                <a14:hiddenLine xmlns:a14="http://schemas.microsoft.com/office/drawing/2010/main" xmlns="" w="9525">
+                <a14:hiddenLine xmlns="" xmlns:a14="http://schemas.microsoft.com/office/drawing/2010/main" w="9525">
                   <a:solidFill>
                     <a:srgbClr val="000000"/>
                   </a:solidFill>
@@ -3447,7 +3452,7 @@
             </a:ln>
             <a:extLst>
               <a:ext uri="{91240B29-F687-4f45-9708-019B960494DF}">
-                <a14:hiddenLine xmlns:a14="http://schemas.microsoft.com/office/drawing/2010/main" xmlns="" w="9525">
+                <a14:hiddenLine xmlns="" xmlns:a14="http://schemas.microsoft.com/office/drawing/2010/main" w="9525">
                   <a:solidFill>
                     <a:srgbClr val="000000"/>
                   </a:solidFill>
@@ -3537,7 +3542,7 @@
             </a:ln>
             <a:extLst>
               <a:ext uri="{91240B29-F687-4f45-9708-019B960494DF}">
-                <a14:hiddenLine xmlns:a14="http://schemas.microsoft.com/office/drawing/2010/main" xmlns="" w="9525">
+                <a14:hiddenLine xmlns="" xmlns:a14="http://schemas.microsoft.com/office/drawing/2010/main" w="9525">
                   <a:solidFill>
                     <a:srgbClr val="000000"/>
                   </a:solidFill>
@@ -3571,7 +3576,7 @@
             </a:ln>
             <a:extLst>
               <a:ext uri="{91240B29-F687-4f45-9708-019B960494DF}">
-                <a14:hiddenLine xmlns:a14="http://schemas.microsoft.com/office/drawing/2010/main" xmlns="" w="9525">
+                <a14:hiddenLine xmlns="" xmlns:a14="http://schemas.microsoft.com/office/drawing/2010/main" w="9525">
                   <a:solidFill>
                     <a:srgbClr val="000000"/>
                   </a:solidFill>
@@ -3636,7 +3641,7 @@
             </a:ln>
             <a:extLst>
               <a:ext uri="{91240B29-F687-4f45-9708-019B960494DF}">
-                <a14:hiddenLine xmlns:a14="http://schemas.microsoft.com/office/drawing/2010/main" xmlns="" w="9525">
+                <a14:hiddenLine xmlns="" xmlns:a14="http://schemas.microsoft.com/office/drawing/2010/main" w="9525">
                   <a:solidFill>
                     <a:srgbClr val="000000"/>
                   </a:solidFill>
@@ -3726,7 +3731,7 @@
             </a:ln>
             <a:extLst>
               <a:ext uri="{91240B29-F687-4f45-9708-019B960494DF}">
-                <a14:hiddenLine xmlns:a14="http://schemas.microsoft.com/office/drawing/2010/main" xmlns="" w="9525">
+                <a14:hiddenLine xmlns="" xmlns:a14="http://schemas.microsoft.com/office/drawing/2010/main" w="9525">
                   <a:solidFill>
                     <a:srgbClr val="000000"/>
                   </a:solidFill>
@@ -3788,7 +3793,7 @@
             </a:ln>
             <a:extLst>
               <a:ext uri="{91240B29-F687-4f45-9708-019B960494DF}">
-                <a14:hiddenLine xmlns:a14="http://schemas.microsoft.com/office/drawing/2010/main" xmlns="" w="9525">
+                <a14:hiddenLine xmlns="" xmlns:a14="http://schemas.microsoft.com/office/drawing/2010/main" w="9525">
                   <a:solidFill>
                     <a:srgbClr val="000000"/>
                   </a:solidFill>
@@ -3878,7 +3883,7 @@
             </a:ln>
             <a:extLst>
               <a:ext uri="{91240B29-F687-4f45-9708-019B960494DF}">
-                <a14:hiddenLine xmlns:a14="http://schemas.microsoft.com/office/drawing/2010/main" xmlns="" w="9525">
+                <a14:hiddenLine xmlns="" xmlns:a14="http://schemas.microsoft.com/office/drawing/2010/main" w="9525">
                   <a:solidFill>
                     <a:srgbClr val="000000"/>
                   </a:solidFill>
@@ -3968,7 +3973,7 @@
             </a:ln>
             <a:extLst>
               <a:ext uri="{91240B29-F687-4f45-9708-019B960494DF}">
-                <a14:hiddenLine xmlns:a14="http://schemas.microsoft.com/office/drawing/2010/main" xmlns="" w="9525">
+                <a14:hiddenLine xmlns="" xmlns:a14="http://schemas.microsoft.com/office/drawing/2010/main" w="9525">
                   <a:solidFill>
                     <a:srgbClr val="000000"/>
                   </a:solidFill>
@@ -4033,7 +4038,7 @@
             </a:ln>
             <a:extLst>
               <a:ext uri="{91240B29-F687-4f45-9708-019B960494DF}">
-                <a14:hiddenLine xmlns:a14="http://schemas.microsoft.com/office/drawing/2010/main" xmlns="" w="9525">
+                <a14:hiddenLine xmlns="" xmlns:a14="http://schemas.microsoft.com/office/drawing/2010/main" w="9525">
                   <a:solidFill>
                     <a:srgbClr val="000000"/>
                   </a:solidFill>
@@ -4095,7 +4100,7 @@
             </a:ln>
             <a:extLst>
               <a:ext uri="{91240B29-F687-4f45-9708-019B960494DF}">
-                <a14:hiddenLine xmlns:a14="http://schemas.microsoft.com/office/drawing/2010/main" xmlns="" w="9525">
+                <a14:hiddenLine xmlns="" xmlns:a14="http://schemas.microsoft.com/office/drawing/2010/main" w="9525">
                   <a:solidFill>
                     <a:srgbClr val="000000"/>
                   </a:solidFill>
@@ -4185,7 +4190,7 @@
             </a:ln>
             <a:extLst>
               <a:ext uri="{91240B29-F687-4f45-9708-019B960494DF}">
-                <a14:hiddenLine xmlns:a14="http://schemas.microsoft.com/office/drawing/2010/main" xmlns="" w="9525">
+                <a14:hiddenLine xmlns="" xmlns:a14="http://schemas.microsoft.com/office/drawing/2010/main" w="9525">
                   <a:solidFill>
                     <a:srgbClr val="000000"/>
                   </a:solidFill>
@@ -4275,7 +4280,7 @@
             </a:ln>
             <a:extLst>
               <a:ext uri="{91240B29-F687-4f45-9708-019B960494DF}">
-                <a14:hiddenLine xmlns:a14="http://schemas.microsoft.com/office/drawing/2010/main" xmlns="" w="9525">
+                <a14:hiddenLine xmlns="" xmlns:a14="http://schemas.microsoft.com/office/drawing/2010/main" w="9525">
                   <a:solidFill>
                     <a:srgbClr val="000000"/>
                   </a:solidFill>
@@ -4337,7 +4342,7 @@
             </a:ln>
             <a:extLst>
               <a:ext uri="{91240B29-F687-4f45-9708-019B960494DF}">
-                <a14:hiddenLine xmlns:a14="http://schemas.microsoft.com/office/drawing/2010/main" xmlns="" w="9525">
+                <a14:hiddenLine xmlns="" xmlns:a14="http://schemas.microsoft.com/office/drawing/2010/main" w="9525">
                   <a:solidFill>
                     <a:srgbClr val="000000"/>
                   </a:solidFill>
@@ -4457,7 +4462,7 @@
             </a:ln>
             <a:extLst>
               <a:ext uri="{91240B29-F687-4f45-9708-019B960494DF}">
-                <a14:hiddenLine xmlns:a14="http://schemas.microsoft.com/office/drawing/2010/main" xmlns="" w="9525">
+                <a14:hiddenLine xmlns="" xmlns:a14="http://schemas.microsoft.com/office/drawing/2010/main" w="9525">
                   <a:solidFill>
                     <a:srgbClr val="000000"/>
                   </a:solidFill>
@@ -4525,7 +4530,7 @@
             </a:ln>
             <a:extLst>
               <a:ext uri="{91240B29-F687-4f45-9708-019B960494DF}">
-                <a14:hiddenLine xmlns:a14="http://schemas.microsoft.com/office/drawing/2010/main" xmlns="" w="9525">
+                <a14:hiddenLine xmlns="" xmlns:a14="http://schemas.microsoft.com/office/drawing/2010/main" w="9525">
                   <a:solidFill>
                     <a:srgbClr val="000000"/>
                   </a:solidFill>
@@ -4615,7 +4620,7 @@
             </a:ln>
             <a:extLst>
               <a:ext uri="{91240B29-F687-4f45-9708-019B960494DF}">
-                <a14:hiddenLine xmlns:a14="http://schemas.microsoft.com/office/drawing/2010/main" xmlns="" w="9525">
+                <a14:hiddenLine xmlns="" xmlns:a14="http://schemas.microsoft.com/office/drawing/2010/main" w="9525">
                   <a:solidFill>
                     <a:srgbClr val="000000"/>
                   </a:solidFill>
@@ -4755,7 +4760,7 @@
           <a:p>
             <a:fld id="{13CF0497-3772-45C9-B6BB-31AA49568675}" type="datetimeFigureOut">
               <a:rPr lang="pt-BR" smtClean="0"/>
-              <a:t>27/04/2020</a:t>
+              <a:t>10/03/2025</a:t>
             </a:fld>
             <a:endParaRPr lang="pt-BR"/>
           </a:p>
@@ -5022,7 +5027,7 @@
           <a:p>
             <a:fld id="{13CF0497-3772-45C9-B6BB-31AA49568675}" type="datetimeFigureOut">
               <a:rPr lang="pt-BR" smtClean="0"/>
-              <a:t>27/04/2020</a:t>
+              <a:t>10/03/2025</a:t>
             </a:fld>
             <a:endParaRPr lang="pt-BR"/>
           </a:p>
@@ -5218,7 +5223,7 @@
           <a:p>
             <a:fld id="{13CF0497-3772-45C9-B6BB-31AA49568675}" type="datetimeFigureOut">
               <a:rPr lang="pt-BR" smtClean="0"/>
-              <a:t>27/04/2020</a:t>
+              <a:t>10/03/2025</a:t>
             </a:fld>
             <a:endParaRPr lang="pt-BR"/>
           </a:p>
@@ -5481,7 +5486,7 @@
           <a:p>
             <a:fld id="{13CF0497-3772-45C9-B6BB-31AA49568675}" type="datetimeFigureOut">
               <a:rPr lang="pt-BR" smtClean="0"/>
-              <a:t>27/04/2020</a:t>
+              <a:t>10/03/2025</a:t>
             </a:fld>
             <a:endParaRPr lang="pt-BR"/>
           </a:p>
@@ -5915,7 +5920,7 @@
           <a:p>
             <a:fld id="{13CF0497-3772-45C9-B6BB-31AA49568675}" type="datetimeFigureOut">
               <a:rPr lang="pt-BR" smtClean="0"/>
-              <a:t>27/04/2020</a:t>
+              <a:t>10/03/2025</a:t>
             </a:fld>
             <a:endParaRPr lang="pt-BR"/>
           </a:p>
@@ -6461,7 +6466,7 @@
           <a:p>
             <a:fld id="{13CF0497-3772-45C9-B6BB-31AA49568675}" type="datetimeFigureOut">
               <a:rPr lang="pt-BR" smtClean="0"/>
-              <a:t>27/04/2020</a:t>
+              <a:t>10/03/2025</a:t>
             </a:fld>
             <a:endParaRPr lang="pt-BR"/>
           </a:p>
@@ -7181,7 +7186,7 @@
           <a:p>
             <a:fld id="{13CF0497-3772-45C9-B6BB-31AA49568675}" type="datetimeFigureOut">
               <a:rPr lang="pt-BR" smtClean="0"/>
-              <a:t>27/04/2020</a:t>
+              <a:t>10/03/2025</a:t>
             </a:fld>
             <a:endParaRPr lang="pt-BR"/>
           </a:p>
@@ -7351,7 +7356,7 @@
           <a:p>
             <a:fld id="{13CF0497-3772-45C9-B6BB-31AA49568675}" type="datetimeFigureOut">
               <a:rPr lang="pt-BR" smtClean="0"/>
-              <a:t>27/04/2020</a:t>
+              <a:t>10/03/2025</a:t>
             </a:fld>
             <a:endParaRPr lang="pt-BR"/>
           </a:p>
@@ -7531,7 +7536,7 @@
           <a:p>
             <a:fld id="{13CF0497-3772-45C9-B6BB-31AA49568675}" type="datetimeFigureOut">
               <a:rPr lang="pt-BR" smtClean="0"/>
-              <a:t>27/04/2020</a:t>
+              <a:t>10/03/2025</a:t>
             </a:fld>
             <a:endParaRPr lang="pt-BR"/>
           </a:p>
@@ -7701,7 +7706,7 @@
           <a:p>
             <a:fld id="{13CF0497-3772-45C9-B6BB-31AA49568675}" type="datetimeFigureOut">
               <a:rPr lang="pt-BR" smtClean="0"/>
-              <a:t>27/04/2020</a:t>
+              <a:t>10/03/2025</a:t>
             </a:fld>
             <a:endParaRPr lang="pt-BR"/>
           </a:p>
@@ -7951,7 +7956,7 @@
           <a:p>
             <a:fld id="{13CF0497-3772-45C9-B6BB-31AA49568675}" type="datetimeFigureOut">
               <a:rPr lang="pt-BR" smtClean="0"/>
-              <a:t>27/04/2020</a:t>
+              <a:t>10/03/2025</a:t>
             </a:fld>
             <a:endParaRPr lang="pt-BR"/>
           </a:p>
@@ -8183,7 +8188,7 @@
           <a:p>
             <a:fld id="{13CF0497-3772-45C9-B6BB-31AA49568675}" type="datetimeFigureOut">
               <a:rPr lang="pt-BR" smtClean="0"/>
-              <a:t>27/04/2020</a:t>
+              <a:t>10/03/2025</a:t>
             </a:fld>
             <a:endParaRPr lang="pt-BR"/>
           </a:p>
@@ -8564,7 +8569,7 @@
           <a:p>
             <a:fld id="{13CF0497-3772-45C9-B6BB-31AA49568675}" type="datetimeFigureOut">
               <a:rPr lang="pt-BR" smtClean="0"/>
-              <a:t>27/04/2020</a:t>
+              <a:t>10/03/2025</a:t>
             </a:fld>
             <a:endParaRPr lang="pt-BR"/>
           </a:p>
@@ -8682,7 +8687,7 @@
           <a:p>
             <a:fld id="{13CF0497-3772-45C9-B6BB-31AA49568675}" type="datetimeFigureOut">
               <a:rPr lang="pt-BR" smtClean="0"/>
-              <a:t>27/04/2020</a:t>
+              <a:t>10/03/2025</a:t>
             </a:fld>
             <a:endParaRPr lang="pt-BR"/>
           </a:p>
@@ -8777,7 +8782,7 @@
           <a:p>
             <a:fld id="{13CF0497-3772-45C9-B6BB-31AA49568675}" type="datetimeFigureOut">
               <a:rPr lang="pt-BR" smtClean="0"/>
-              <a:t>27/04/2020</a:t>
+              <a:t>10/03/2025</a:t>
             </a:fld>
             <a:endParaRPr lang="pt-BR"/>
           </a:p>
@@ -9026,7 +9031,7 @@
           <a:p>
             <a:fld id="{13CF0497-3772-45C9-B6BB-31AA49568675}" type="datetimeFigureOut">
               <a:rPr lang="pt-BR" smtClean="0"/>
-              <a:t>27/04/2020</a:t>
+              <a:t>10/03/2025</a:t>
             </a:fld>
             <a:endParaRPr lang="pt-BR"/>
           </a:p>
@@ -9306,7 +9311,7 @@
           <a:p>
             <a:fld id="{13CF0497-3772-45C9-B6BB-31AA49568675}" type="datetimeFigureOut">
               <a:rPr lang="pt-BR" smtClean="0"/>
-              <a:t>27/04/2020</a:t>
+              <a:t>10/03/2025</a:t>
             </a:fld>
             <a:endParaRPr lang="pt-BR"/>
           </a:p>
@@ -9422,7 +9427,7 @@
           <a:noFill/>
           <a:extLst>
             <a:ext uri="{909E8E84-426E-40dd-AFC4-6F175D3DCCD1}">
-              <a14:hiddenFill xmlns:a14="http://schemas.microsoft.com/office/drawing/2010/main" xmlns="">
+              <a14:hiddenFill xmlns="" xmlns:a14="http://schemas.microsoft.com/office/drawing/2010/main">
                 <a:solidFill>
                   <a:srgbClr val="FFFFFF"/>
                 </a:solidFill>
@@ -9496,7 +9501,7 @@
               </a:ln>
               <a:extLst>
                 <a:ext uri="{91240B29-F687-4f45-9708-019B960494DF}">
-                  <a14:hiddenLine xmlns:a14="http://schemas.microsoft.com/office/drawing/2010/main" xmlns="" w="9525">
+                  <a14:hiddenLine xmlns="" xmlns:a14="http://schemas.microsoft.com/office/drawing/2010/main" w="9525">
                     <a:solidFill>
                       <a:srgbClr val="000000"/>
                     </a:solidFill>
@@ -9586,7 +9591,7 @@
               </a:ln>
               <a:extLst>
                 <a:ext uri="{91240B29-F687-4f45-9708-019B960494DF}">
-                  <a14:hiddenLine xmlns:a14="http://schemas.microsoft.com/office/drawing/2010/main" xmlns="" w="9525">
+                  <a14:hiddenLine xmlns="" xmlns:a14="http://schemas.microsoft.com/office/drawing/2010/main" w="9525">
                     <a:solidFill>
                       <a:srgbClr val="000000"/>
                     </a:solidFill>
@@ -9676,7 +9681,7 @@
               </a:ln>
               <a:extLst>
                 <a:ext uri="{91240B29-F687-4f45-9708-019B960494DF}">
-                  <a14:hiddenLine xmlns:a14="http://schemas.microsoft.com/office/drawing/2010/main" xmlns="" w="9525">
+                  <a14:hiddenLine xmlns="" xmlns:a14="http://schemas.microsoft.com/office/drawing/2010/main" w="9525">
                     <a:solidFill>
                       <a:srgbClr val="000000"/>
                     </a:solidFill>
@@ -9738,7 +9743,7 @@
               </a:ln>
               <a:extLst>
                 <a:ext uri="{91240B29-F687-4f45-9708-019B960494DF}">
-                  <a14:hiddenLine xmlns:a14="http://schemas.microsoft.com/office/drawing/2010/main" xmlns="" w="9525">
+                  <a14:hiddenLine xmlns="" xmlns:a14="http://schemas.microsoft.com/office/drawing/2010/main" w="9525">
                     <a:solidFill>
                       <a:srgbClr val="000000"/>
                     </a:solidFill>
@@ -9828,7 +9833,7 @@
               </a:ln>
               <a:extLst>
                 <a:ext uri="{91240B29-F687-4f45-9708-019B960494DF}">
-                  <a14:hiddenLine xmlns:a14="http://schemas.microsoft.com/office/drawing/2010/main" xmlns="" w="9525">
+                  <a14:hiddenLine xmlns="" xmlns:a14="http://schemas.microsoft.com/office/drawing/2010/main" w="9525">
                     <a:solidFill>
                       <a:srgbClr val="000000"/>
                     </a:solidFill>
@@ -9890,7 +9895,7 @@
               </a:ln>
               <a:extLst>
                 <a:ext uri="{91240B29-F687-4f45-9708-019B960494DF}">
-                  <a14:hiddenLine xmlns:a14="http://schemas.microsoft.com/office/drawing/2010/main" xmlns="" w="9525">
+                  <a14:hiddenLine xmlns="" xmlns:a14="http://schemas.microsoft.com/office/drawing/2010/main" w="9525">
                     <a:solidFill>
                       <a:srgbClr val="000000"/>
                     </a:solidFill>
@@ -9952,7 +9957,7 @@
               </a:ln>
               <a:extLst>
                 <a:ext uri="{91240B29-F687-4f45-9708-019B960494DF}">
-                  <a14:hiddenLine xmlns:a14="http://schemas.microsoft.com/office/drawing/2010/main" xmlns="" w="9525">
+                  <a14:hiddenLine xmlns="" xmlns:a14="http://schemas.microsoft.com/office/drawing/2010/main" w="9525">
                     <a:solidFill>
                       <a:srgbClr val="000000"/>
                     </a:solidFill>
@@ -10042,7 +10047,7 @@
               </a:ln>
               <a:extLst>
                 <a:ext uri="{91240B29-F687-4f45-9708-019B960494DF}">
-                  <a14:hiddenLine xmlns:a14="http://schemas.microsoft.com/office/drawing/2010/main" xmlns="" w="9525">
+                  <a14:hiddenLine xmlns="" xmlns:a14="http://schemas.microsoft.com/office/drawing/2010/main" w="9525">
                     <a:solidFill>
                       <a:srgbClr val="000000"/>
                     </a:solidFill>
@@ -10132,7 +10137,7 @@
               </a:ln>
               <a:extLst>
                 <a:ext uri="{91240B29-F687-4f45-9708-019B960494DF}">
-                  <a14:hiddenLine xmlns:a14="http://schemas.microsoft.com/office/drawing/2010/main" xmlns="" w="9525">
+                  <a14:hiddenLine xmlns="" xmlns:a14="http://schemas.microsoft.com/office/drawing/2010/main" w="9525">
                     <a:solidFill>
                       <a:srgbClr val="000000"/>
                     </a:solidFill>
@@ -10194,7 +10199,7 @@
               </a:ln>
               <a:extLst>
                 <a:ext uri="{91240B29-F687-4f45-9708-019B960494DF}">
-                  <a14:hiddenLine xmlns:a14="http://schemas.microsoft.com/office/drawing/2010/main" xmlns="" w="9525">
+                  <a14:hiddenLine xmlns="" xmlns:a14="http://schemas.microsoft.com/office/drawing/2010/main" w="9525">
                     <a:solidFill>
                       <a:srgbClr val="000000"/>
                     </a:solidFill>
@@ -10304,7 +10309,7 @@
               </a:ln>
               <a:extLst>
                 <a:ext uri="{91240B29-F687-4f45-9708-019B960494DF}">
-                  <a14:hiddenLine xmlns:a14="http://schemas.microsoft.com/office/drawing/2010/main" xmlns="" w="9525">
+                  <a14:hiddenLine xmlns="" xmlns:a14="http://schemas.microsoft.com/office/drawing/2010/main" w="9525">
                     <a:solidFill>
                       <a:srgbClr val="000000"/>
                     </a:solidFill>
@@ -10388,7 +10393,7 @@
               </a:ln>
               <a:extLst>
                 <a:ext uri="{91240B29-F687-4f45-9708-019B960494DF}">
-                  <a14:hiddenLine xmlns:a14="http://schemas.microsoft.com/office/drawing/2010/main" xmlns="" w="9525">
+                  <a14:hiddenLine xmlns="" xmlns:a14="http://schemas.microsoft.com/office/drawing/2010/main" w="9525">
                     <a:solidFill>
                       <a:srgbClr val="000000"/>
                     </a:solidFill>
@@ -10450,7 +10455,7 @@
               </a:ln>
               <a:extLst>
                 <a:ext uri="{91240B29-F687-4f45-9708-019B960494DF}">
-                  <a14:hiddenLine xmlns:a14="http://schemas.microsoft.com/office/drawing/2010/main" xmlns="" w="9525">
+                  <a14:hiddenLine xmlns="" xmlns:a14="http://schemas.microsoft.com/office/drawing/2010/main" w="9525">
                     <a:solidFill>
                       <a:srgbClr val="000000"/>
                     </a:solidFill>
@@ -10512,7 +10517,7 @@
               </a:ln>
               <a:extLst>
                 <a:ext uri="{91240B29-F687-4f45-9708-019B960494DF}">
-                  <a14:hiddenLine xmlns:a14="http://schemas.microsoft.com/office/drawing/2010/main" xmlns="" w="9525">
+                  <a14:hiddenLine xmlns="" xmlns:a14="http://schemas.microsoft.com/office/drawing/2010/main" w="9525">
                     <a:solidFill>
                       <a:srgbClr val="000000"/>
                     </a:solidFill>
@@ -10602,7 +10607,7 @@
               </a:ln>
               <a:extLst>
                 <a:ext uri="{91240B29-F687-4f45-9708-019B960494DF}">
-                  <a14:hiddenLine xmlns:a14="http://schemas.microsoft.com/office/drawing/2010/main" xmlns="" w="9525">
+                  <a14:hiddenLine xmlns="" xmlns:a14="http://schemas.microsoft.com/office/drawing/2010/main" w="9525">
                     <a:solidFill>
                       <a:srgbClr val="000000"/>
                     </a:solidFill>
@@ -10636,7 +10641,7 @@
               </a:ln>
               <a:extLst>
                 <a:ext uri="{91240B29-F687-4f45-9708-019B960494DF}">
-                  <a14:hiddenLine xmlns:a14="http://schemas.microsoft.com/office/drawing/2010/main" xmlns="" w="9525">
+                  <a14:hiddenLine xmlns="" xmlns:a14="http://schemas.microsoft.com/office/drawing/2010/main" w="9525">
                     <a:solidFill>
                       <a:srgbClr val="000000"/>
                     </a:solidFill>
@@ -10701,7 +10706,7 @@
               </a:ln>
               <a:extLst>
                 <a:ext uri="{91240B29-F687-4f45-9708-019B960494DF}">
-                  <a14:hiddenLine xmlns:a14="http://schemas.microsoft.com/office/drawing/2010/main" xmlns="" w="9525">
+                  <a14:hiddenLine xmlns="" xmlns:a14="http://schemas.microsoft.com/office/drawing/2010/main" w="9525">
                     <a:solidFill>
                       <a:srgbClr val="000000"/>
                     </a:solidFill>
@@ -10791,7 +10796,7 @@
               </a:ln>
               <a:extLst>
                 <a:ext uri="{91240B29-F687-4f45-9708-019B960494DF}">
-                  <a14:hiddenLine xmlns:a14="http://schemas.microsoft.com/office/drawing/2010/main" xmlns="" w="9525">
+                  <a14:hiddenLine xmlns="" xmlns:a14="http://schemas.microsoft.com/office/drawing/2010/main" w="9525">
                     <a:solidFill>
                       <a:srgbClr val="000000"/>
                     </a:solidFill>
@@ -10853,7 +10858,7 @@
               </a:ln>
               <a:extLst>
                 <a:ext uri="{91240B29-F687-4f45-9708-019B960494DF}">
-                  <a14:hiddenLine xmlns:a14="http://schemas.microsoft.com/office/drawing/2010/main" xmlns="" w="9525">
+                  <a14:hiddenLine xmlns="" xmlns:a14="http://schemas.microsoft.com/office/drawing/2010/main" w="9525">
                     <a:solidFill>
                       <a:srgbClr val="000000"/>
                     </a:solidFill>
@@ -10943,7 +10948,7 @@
               </a:ln>
               <a:extLst>
                 <a:ext uri="{91240B29-F687-4f45-9708-019B960494DF}">
-                  <a14:hiddenLine xmlns:a14="http://schemas.microsoft.com/office/drawing/2010/main" xmlns="" w="9525">
+                  <a14:hiddenLine xmlns="" xmlns:a14="http://schemas.microsoft.com/office/drawing/2010/main" w="9525">
                     <a:solidFill>
                       <a:srgbClr val="000000"/>
                     </a:solidFill>
@@ -11008,7 +11013,7 @@
               </a:ln>
               <a:extLst>
                 <a:ext uri="{91240B29-F687-4f45-9708-019B960494DF}">
-                  <a14:hiddenLine xmlns:a14="http://schemas.microsoft.com/office/drawing/2010/main" xmlns="" w="9525">
+                  <a14:hiddenLine xmlns="" xmlns:a14="http://schemas.microsoft.com/office/drawing/2010/main" w="9525">
                     <a:solidFill>
                       <a:srgbClr val="000000"/>
                     </a:solidFill>
@@ -11070,7 +11075,7 @@
               </a:ln>
               <a:extLst>
                 <a:ext uri="{91240B29-F687-4f45-9708-019B960494DF}">
-                  <a14:hiddenLine xmlns:a14="http://schemas.microsoft.com/office/drawing/2010/main" xmlns="" w="9525">
+                  <a14:hiddenLine xmlns="" xmlns:a14="http://schemas.microsoft.com/office/drawing/2010/main" w="9525">
                     <a:solidFill>
                       <a:srgbClr val="000000"/>
                     </a:solidFill>
@@ -11160,7 +11165,7 @@
               </a:ln>
               <a:extLst>
                 <a:ext uri="{91240B29-F687-4f45-9708-019B960494DF}">
-                  <a14:hiddenLine xmlns:a14="http://schemas.microsoft.com/office/drawing/2010/main" xmlns="" w="9525">
+                  <a14:hiddenLine xmlns="" xmlns:a14="http://schemas.microsoft.com/office/drawing/2010/main" w="9525">
                     <a:solidFill>
                       <a:srgbClr val="000000"/>
                     </a:solidFill>
@@ -11250,7 +11255,7 @@
               </a:ln>
               <a:extLst>
                 <a:ext uri="{91240B29-F687-4f45-9708-019B960494DF}">
-                  <a14:hiddenLine xmlns:a14="http://schemas.microsoft.com/office/drawing/2010/main" xmlns="" w="9525">
+                  <a14:hiddenLine xmlns="" xmlns:a14="http://schemas.microsoft.com/office/drawing/2010/main" w="9525">
                     <a:solidFill>
                       <a:srgbClr val="000000"/>
                     </a:solidFill>
@@ -11315,7 +11320,7 @@
               </a:ln>
               <a:extLst>
                 <a:ext uri="{91240B29-F687-4f45-9708-019B960494DF}">
-                  <a14:hiddenLine xmlns:a14="http://schemas.microsoft.com/office/drawing/2010/main" xmlns="" w="9525">
+                  <a14:hiddenLine xmlns="" xmlns:a14="http://schemas.microsoft.com/office/drawing/2010/main" w="9525">
                     <a:solidFill>
                       <a:srgbClr val="000000"/>
                     </a:solidFill>
@@ -11435,7 +11440,7 @@
               </a:ln>
               <a:extLst>
                 <a:ext uri="{91240B29-F687-4f45-9708-019B960494DF}">
-                  <a14:hiddenLine xmlns:a14="http://schemas.microsoft.com/office/drawing/2010/main" xmlns="" w="9525">
+                  <a14:hiddenLine xmlns="" xmlns:a14="http://schemas.microsoft.com/office/drawing/2010/main" w="9525">
                     <a:solidFill>
                       <a:srgbClr val="000000"/>
                     </a:solidFill>
@@ -11533,7 +11538,7 @@
               </a:ln>
               <a:extLst>
                 <a:ext uri="{91240B29-F687-4f45-9708-019B960494DF}">
-                  <a14:hiddenLine xmlns:a14="http://schemas.microsoft.com/office/drawing/2010/main" xmlns="" w="9525">
+                  <a14:hiddenLine xmlns="" xmlns:a14="http://schemas.microsoft.com/office/drawing/2010/main" w="9525">
                     <a:solidFill>
                       <a:srgbClr val="000000"/>
                     </a:solidFill>
@@ -11648,7 +11653,7 @@
               </a:ln>
               <a:extLst>
                 <a:ext uri="{91240B29-F687-4f45-9708-019B960494DF}">
-                  <a14:hiddenLine xmlns:a14="http://schemas.microsoft.com/office/drawing/2010/main" xmlns="" w="9525">
+                  <a14:hiddenLine xmlns="" xmlns:a14="http://schemas.microsoft.com/office/drawing/2010/main" w="9525">
                     <a:solidFill>
                       <a:srgbClr val="000000"/>
                     </a:solidFill>
@@ -11738,7 +11743,7 @@
               </a:ln>
               <a:extLst>
                 <a:ext uri="{91240B29-F687-4f45-9708-019B960494DF}">
-                  <a14:hiddenLine xmlns:a14="http://schemas.microsoft.com/office/drawing/2010/main" xmlns="" w="9525">
+                  <a14:hiddenLine xmlns="" xmlns:a14="http://schemas.microsoft.com/office/drawing/2010/main" w="9525">
                     <a:solidFill>
                       <a:srgbClr val="000000"/>
                     </a:solidFill>
@@ -11803,7 +11808,7 @@
               </a:ln>
               <a:extLst>
                 <a:ext uri="{91240B29-F687-4f45-9708-019B960494DF}">
-                  <a14:hiddenLine xmlns:a14="http://schemas.microsoft.com/office/drawing/2010/main" xmlns="" w="9525">
+                  <a14:hiddenLine xmlns="" xmlns:a14="http://schemas.microsoft.com/office/drawing/2010/main" w="9525">
                     <a:solidFill>
                       <a:srgbClr val="000000"/>
                     </a:solidFill>
@@ -11893,7 +11898,7 @@
               </a:ln>
               <a:extLst>
                 <a:ext uri="{91240B29-F687-4f45-9708-019B960494DF}">
-                  <a14:hiddenLine xmlns:a14="http://schemas.microsoft.com/office/drawing/2010/main" xmlns="" w="9525">
+                  <a14:hiddenLine xmlns="" xmlns:a14="http://schemas.microsoft.com/office/drawing/2010/main" w="9525">
                     <a:solidFill>
                       <a:srgbClr val="000000"/>
                     </a:solidFill>
@@ -11961,7 +11966,7 @@
               </a:ln>
               <a:extLst>
                 <a:ext uri="{91240B29-F687-4f45-9708-019B960494DF}">
-                  <a14:hiddenLine xmlns:a14="http://schemas.microsoft.com/office/drawing/2010/main" xmlns="" w="9525">
+                  <a14:hiddenLine xmlns="" xmlns:a14="http://schemas.microsoft.com/office/drawing/2010/main" w="9525">
                     <a:solidFill>
                       <a:srgbClr val="000000"/>
                     </a:solidFill>
@@ -12051,7 +12056,7 @@
               </a:ln>
               <a:extLst>
                 <a:ext uri="{91240B29-F687-4f45-9708-019B960494DF}">
-                  <a14:hiddenLine xmlns:a14="http://schemas.microsoft.com/office/drawing/2010/main" xmlns="" w="9525">
+                  <a14:hiddenLine xmlns="" xmlns:a14="http://schemas.microsoft.com/office/drawing/2010/main" w="9525">
                     <a:solidFill>
                       <a:srgbClr val="000000"/>
                     </a:solidFill>
@@ -12119,7 +12124,7 @@
               </a:ln>
               <a:extLst>
                 <a:ext uri="{91240B29-F687-4f45-9708-019B960494DF}">
-                  <a14:hiddenLine xmlns:a14="http://schemas.microsoft.com/office/drawing/2010/main" xmlns="" w="9525">
+                  <a14:hiddenLine xmlns="" xmlns:a14="http://schemas.microsoft.com/office/drawing/2010/main" w="9525">
                     <a:solidFill>
                       <a:srgbClr val="000000"/>
                     </a:solidFill>
@@ -12209,7 +12214,7 @@
               </a:ln>
               <a:extLst>
                 <a:ext uri="{91240B29-F687-4f45-9708-019B960494DF}">
-                  <a14:hiddenLine xmlns:a14="http://schemas.microsoft.com/office/drawing/2010/main" xmlns="" w="9525">
+                  <a14:hiddenLine xmlns="" xmlns:a14="http://schemas.microsoft.com/office/drawing/2010/main" w="9525">
                     <a:solidFill>
                       <a:srgbClr val="000000"/>
                     </a:solidFill>
@@ -12243,7 +12248,7 @@
               </a:ln>
               <a:extLst>
                 <a:ext uri="{91240B29-F687-4f45-9708-019B960494DF}">
-                  <a14:hiddenLine xmlns:a14="http://schemas.microsoft.com/office/drawing/2010/main" xmlns="" w="9525">
+                  <a14:hiddenLine xmlns="" xmlns:a14="http://schemas.microsoft.com/office/drawing/2010/main" w="9525">
                     <a:solidFill>
                       <a:srgbClr val="000000"/>
                     </a:solidFill>
@@ -12383,7 +12388,7 @@
           <a:p>
             <a:fld id="{13CF0497-3772-45C9-B6BB-31AA49568675}" type="datetimeFigureOut">
               <a:rPr lang="pt-BR" smtClean="0"/>
-              <a:t>27/04/2020</a:t>
+              <a:t>10/03/2025</a:t>
             </a:fld>
             <a:endParaRPr lang="pt-BR"/>
           </a:p>
@@ -12872,7 +12877,7 @@
               <a:defRPr/>
             </a:pPr>
             <a:r>
-              <a:rPr kumimoji="0" lang="en-US" sz="4100" b="0" i="0" u="none" strike="noStrike" kern="1200" cap="all" spc="0" normalizeH="0" baseline="0" noProof="0">
+              <a:rPr kumimoji="0" lang="en-US" sz="4100" b="0" i="0" u="none" strike="noStrike" kern="1200" cap="all" spc="0" normalizeH="0" baseline="0" noProof="0" dirty="0">
                 <a:ln w="3175" cmpd="sng">
                   <a:noFill/>
                 </a:ln>
@@ -12886,7 +12891,41 @@
                 <a:ea typeface="+mn-ea"/>
                 <a:cs typeface="+mn-cs"/>
               </a:rPr>
-              <a:t>Guia definitivo do Python para Windows.</a:t>
+              <a:t>Guia </a:t>
+            </a:r>
+            <a:r>
+              <a:rPr kumimoji="0" lang="en-US" sz="4100" b="0" i="0" u="none" strike="noStrike" kern="1200" cap="all" spc="0" normalizeH="0" baseline="0" noProof="0" dirty="0" err="1">
+                <a:ln w="3175" cmpd="sng">
+                  <a:noFill/>
+                </a:ln>
+                <a:solidFill>
+                  <a:prstClr val="white"/>
+                </a:solidFill>
+                <a:effectLst/>
+                <a:uLnTx/>
+                <a:uFillTx/>
+                <a:latin typeface="Tw Cen MT" panose="020B0602020104020603"/>
+                <a:ea typeface="+mn-ea"/>
+                <a:cs typeface="+mn-cs"/>
+              </a:rPr>
+              <a:t>definitivo</a:t>
+            </a:r>
+            <a:r>
+              <a:rPr kumimoji="0" lang="en-US" sz="4100" b="0" i="0" u="none" strike="noStrike" kern="1200" cap="all" spc="0" normalizeH="0" baseline="0" noProof="0" dirty="0">
+                <a:ln w="3175" cmpd="sng">
+                  <a:noFill/>
+                </a:ln>
+                <a:solidFill>
+                  <a:prstClr val="white"/>
+                </a:solidFill>
+                <a:effectLst/>
+                <a:uLnTx/>
+                <a:uFillTx/>
+                <a:latin typeface="Tw Cen MT" panose="020B0602020104020603"/>
+                <a:ea typeface="+mn-ea"/>
+                <a:cs typeface="+mn-cs"/>
+              </a:rPr>
+              <a:t> do Python</a:t>
             </a:r>
           </a:p>
         </p:txBody>
@@ -14833,7 +14872,7 @@
           <a:noFill/>
           <a:extLst>
             <a:ext uri="{909E8E84-426E-40dd-AFC4-6F175D3DCCD1}">
-              <a14:hiddenFill xmlns:a14="http://schemas.microsoft.com/office/drawing/2010/main" xmlns:a16="http://schemas.microsoft.com/office/drawing/2014/main" xmlns="">
+              <a14:hiddenFill xmlns="" xmlns:a16="http://schemas.microsoft.com/office/drawing/2014/main" xmlns:a14="http://schemas.microsoft.com/office/drawing/2010/main">
                 <a:solidFill>
                   <a:srgbClr val="FFFFFF"/>
                 </a:solidFill>
@@ -14954,7 +14993,7 @@
               </a:ln>
               <a:extLst>
                 <a:ext uri="{91240B29-F687-4f45-9708-019B960494DF}">
-                  <a14:hiddenLine xmlns:a14="http://schemas.microsoft.com/office/drawing/2010/main" xmlns:a16="http://schemas.microsoft.com/office/drawing/2014/main" xmlns="" w="9525">
+                  <a14:hiddenLine xmlns="" xmlns:a16="http://schemas.microsoft.com/office/drawing/2014/main" xmlns:a14="http://schemas.microsoft.com/office/drawing/2010/main" w="9525">
                     <a:solidFill>
                       <a:srgbClr val="000000"/>
                     </a:solidFill>
@@ -14965,6 +15004,13 @@
                 </a:ext>
               </a:extLst>
             </p:spPr>
+            <p:txBody>
+              <a:bodyPr/>
+              <a:lstStyle/>
+              <a:p>
+                <a:endParaRPr lang="pt-BR"/>
+              </a:p>
+            </p:txBody>
           </p:sp>
           <p:sp>
             <p:nvSpPr>
@@ -15059,7 +15105,7 @@
               </a:ln>
               <a:extLst>
                 <a:ext uri="{91240B29-F687-4f45-9708-019B960494DF}">
-                  <a14:hiddenLine xmlns:a14="http://schemas.microsoft.com/office/drawing/2010/main" xmlns:a16="http://schemas.microsoft.com/office/drawing/2014/main" xmlns="" w="9525">
+                  <a14:hiddenLine xmlns="" xmlns:a16="http://schemas.microsoft.com/office/drawing/2014/main" xmlns:a14="http://schemas.microsoft.com/office/drawing/2010/main" w="9525">
                     <a:solidFill>
                       <a:srgbClr val="000000"/>
                     </a:solidFill>
@@ -15070,6 +15116,13 @@
                 </a:ext>
               </a:extLst>
             </p:spPr>
+            <p:txBody>
+              <a:bodyPr/>
+              <a:lstStyle/>
+              <a:p>
+                <a:endParaRPr lang="pt-BR"/>
+              </a:p>
+            </p:txBody>
           </p:sp>
           <p:sp>
             <p:nvSpPr>
@@ -15164,7 +15217,7 @@
               </a:ln>
               <a:extLst>
                 <a:ext uri="{91240B29-F687-4f45-9708-019B960494DF}">
-                  <a14:hiddenLine xmlns:a14="http://schemas.microsoft.com/office/drawing/2010/main" xmlns:a16="http://schemas.microsoft.com/office/drawing/2014/main" xmlns="" w="9525">
+                  <a14:hiddenLine xmlns="" xmlns:a16="http://schemas.microsoft.com/office/drawing/2014/main" xmlns:a14="http://schemas.microsoft.com/office/drawing/2010/main" w="9525">
                     <a:solidFill>
                       <a:srgbClr val="000000"/>
                     </a:solidFill>
@@ -15175,6 +15228,13 @@
                 </a:ext>
               </a:extLst>
             </p:spPr>
+            <p:txBody>
+              <a:bodyPr/>
+              <a:lstStyle/>
+              <a:p>
+                <a:endParaRPr lang="pt-BR"/>
+              </a:p>
+            </p:txBody>
           </p:sp>
           <p:sp>
             <p:nvSpPr>
@@ -15241,7 +15301,7 @@
               </a:ln>
               <a:extLst>
                 <a:ext uri="{91240B29-F687-4f45-9708-019B960494DF}">
-                  <a14:hiddenLine xmlns:a14="http://schemas.microsoft.com/office/drawing/2010/main" xmlns:a16="http://schemas.microsoft.com/office/drawing/2014/main" xmlns="" w="9525">
+                  <a14:hiddenLine xmlns="" xmlns:a16="http://schemas.microsoft.com/office/drawing/2014/main" xmlns:a14="http://schemas.microsoft.com/office/drawing/2010/main" w="9525">
                     <a:solidFill>
                       <a:srgbClr val="000000"/>
                     </a:solidFill>
@@ -15252,6 +15312,13 @@
                 </a:ext>
               </a:extLst>
             </p:spPr>
+            <p:txBody>
+              <a:bodyPr/>
+              <a:lstStyle/>
+              <a:p>
+                <a:endParaRPr lang="pt-BR"/>
+              </a:p>
+            </p:txBody>
           </p:sp>
           <p:sp>
             <p:nvSpPr>
@@ -15346,7 +15413,7 @@
               </a:ln>
               <a:extLst>
                 <a:ext uri="{91240B29-F687-4f45-9708-019B960494DF}">
-                  <a14:hiddenLine xmlns:a14="http://schemas.microsoft.com/office/drawing/2010/main" xmlns:a16="http://schemas.microsoft.com/office/drawing/2014/main" xmlns="" w="9525">
+                  <a14:hiddenLine xmlns="" xmlns:a16="http://schemas.microsoft.com/office/drawing/2014/main" xmlns:a14="http://schemas.microsoft.com/office/drawing/2010/main" w="9525">
                     <a:solidFill>
                       <a:srgbClr val="000000"/>
                     </a:solidFill>
@@ -15357,6 +15424,13 @@
                 </a:ext>
               </a:extLst>
             </p:spPr>
+            <p:txBody>
+              <a:bodyPr/>
+              <a:lstStyle/>
+              <a:p>
+                <a:endParaRPr lang="pt-BR"/>
+              </a:p>
+            </p:txBody>
           </p:sp>
           <p:sp>
             <p:nvSpPr>
@@ -15423,7 +15497,7 @@
               </a:ln>
               <a:extLst>
                 <a:ext uri="{91240B29-F687-4f45-9708-019B960494DF}">
-                  <a14:hiddenLine xmlns:a14="http://schemas.microsoft.com/office/drawing/2010/main" xmlns:a16="http://schemas.microsoft.com/office/drawing/2014/main" xmlns="" w="9525">
+                  <a14:hiddenLine xmlns="" xmlns:a16="http://schemas.microsoft.com/office/drawing/2014/main" xmlns:a14="http://schemas.microsoft.com/office/drawing/2010/main" w="9525">
                     <a:solidFill>
                       <a:srgbClr val="000000"/>
                     </a:solidFill>
@@ -15434,6 +15508,13 @@
                 </a:ext>
               </a:extLst>
             </p:spPr>
+            <p:txBody>
+              <a:bodyPr/>
+              <a:lstStyle/>
+              <a:p>
+                <a:endParaRPr lang="pt-BR"/>
+              </a:p>
+            </p:txBody>
           </p:sp>
           <p:sp>
             <p:nvSpPr>
@@ -15500,7 +15581,7 @@
               </a:ln>
               <a:extLst>
                 <a:ext uri="{91240B29-F687-4f45-9708-019B960494DF}">
-                  <a14:hiddenLine xmlns:a14="http://schemas.microsoft.com/office/drawing/2010/main" xmlns:a16="http://schemas.microsoft.com/office/drawing/2014/main" xmlns="" w="9525">
+                  <a14:hiddenLine xmlns="" xmlns:a16="http://schemas.microsoft.com/office/drawing/2014/main" xmlns:a14="http://schemas.microsoft.com/office/drawing/2010/main" w="9525">
                     <a:solidFill>
                       <a:srgbClr val="000000"/>
                     </a:solidFill>
@@ -15511,6 +15592,13 @@
                 </a:ext>
               </a:extLst>
             </p:spPr>
+            <p:txBody>
+              <a:bodyPr/>
+              <a:lstStyle/>
+              <a:p>
+                <a:endParaRPr lang="pt-BR"/>
+              </a:p>
+            </p:txBody>
           </p:sp>
           <p:sp>
             <p:nvSpPr>
@@ -15605,7 +15693,7 @@
               </a:ln>
               <a:extLst>
                 <a:ext uri="{91240B29-F687-4f45-9708-019B960494DF}">
-                  <a14:hiddenLine xmlns:a14="http://schemas.microsoft.com/office/drawing/2010/main" xmlns:a16="http://schemas.microsoft.com/office/drawing/2014/main" xmlns="" w="9525">
+                  <a14:hiddenLine xmlns="" xmlns:a16="http://schemas.microsoft.com/office/drawing/2014/main" xmlns:a14="http://schemas.microsoft.com/office/drawing/2010/main" w="9525">
                     <a:solidFill>
                       <a:srgbClr val="000000"/>
                     </a:solidFill>
@@ -15616,6 +15704,13 @@
                 </a:ext>
               </a:extLst>
             </p:spPr>
+            <p:txBody>
+              <a:bodyPr/>
+              <a:lstStyle/>
+              <a:p>
+                <a:endParaRPr lang="pt-BR"/>
+              </a:p>
+            </p:txBody>
           </p:sp>
           <p:sp>
             <p:nvSpPr>
@@ -15710,7 +15805,7 @@
               </a:ln>
               <a:extLst>
                 <a:ext uri="{91240B29-F687-4f45-9708-019B960494DF}">
-                  <a14:hiddenLine xmlns:a14="http://schemas.microsoft.com/office/drawing/2010/main" xmlns:a16="http://schemas.microsoft.com/office/drawing/2014/main" xmlns="" w="9525">
+                  <a14:hiddenLine xmlns="" xmlns:a16="http://schemas.microsoft.com/office/drawing/2014/main" xmlns:a14="http://schemas.microsoft.com/office/drawing/2010/main" w="9525">
                     <a:solidFill>
                       <a:srgbClr val="000000"/>
                     </a:solidFill>
@@ -15721,6 +15816,13 @@
                 </a:ext>
               </a:extLst>
             </p:spPr>
+            <p:txBody>
+              <a:bodyPr/>
+              <a:lstStyle/>
+              <a:p>
+                <a:endParaRPr lang="pt-BR"/>
+              </a:p>
+            </p:txBody>
           </p:sp>
           <p:sp>
             <p:nvSpPr>
@@ -15787,7 +15889,7 @@
               </a:ln>
               <a:extLst>
                 <a:ext uri="{91240B29-F687-4f45-9708-019B960494DF}">
-                  <a14:hiddenLine xmlns:a14="http://schemas.microsoft.com/office/drawing/2010/main" xmlns:a16="http://schemas.microsoft.com/office/drawing/2014/main" xmlns="" w="9525">
+                  <a14:hiddenLine xmlns="" xmlns:a16="http://schemas.microsoft.com/office/drawing/2014/main" xmlns:a14="http://schemas.microsoft.com/office/drawing/2010/main" w="9525">
                     <a:solidFill>
                       <a:srgbClr val="000000"/>
                     </a:solidFill>
@@ -15798,6 +15900,13 @@
                 </a:ext>
               </a:extLst>
             </p:spPr>
+            <p:txBody>
+              <a:bodyPr/>
+              <a:lstStyle/>
+              <a:p>
+                <a:endParaRPr lang="pt-BR"/>
+              </a:p>
+            </p:txBody>
           </p:sp>
           <p:sp>
             <p:nvSpPr>
@@ -15912,7 +16021,7 @@
               </a:ln>
               <a:extLst>
                 <a:ext uri="{91240B29-F687-4f45-9708-019B960494DF}">
-                  <a14:hiddenLine xmlns:a14="http://schemas.microsoft.com/office/drawing/2010/main" xmlns:a16="http://schemas.microsoft.com/office/drawing/2014/main" xmlns="" w="9525">
+                  <a14:hiddenLine xmlns="" xmlns:a16="http://schemas.microsoft.com/office/drawing/2014/main" xmlns:a14="http://schemas.microsoft.com/office/drawing/2010/main" w="9525">
                     <a:solidFill>
                       <a:srgbClr val="000000"/>
                     </a:solidFill>
@@ -15923,6 +16032,13 @@
                 </a:ext>
               </a:extLst>
             </p:spPr>
+            <p:txBody>
+              <a:bodyPr/>
+              <a:lstStyle/>
+              <a:p>
+                <a:endParaRPr lang="pt-BR"/>
+              </a:p>
+            </p:txBody>
           </p:sp>
           <p:sp>
             <p:nvSpPr>
@@ -15966,6 +16082,13 @@
                 <a:tailEnd/>
               </a:ln>
             </p:spPr>
+            <p:txBody>
+              <a:bodyPr/>
+              <a:lstStyle/>
+              <a:p>
+                <a:endParaRPr lang="pt-BR"/>
+              </a:p>
+            </p:txBody>
           </p:sp>
           <p:sp>
             <p:nvSpPr>
@@ -16026,7 +16149,7 @@
               </a:ln>
               <a:extLst>
                 <a:ext uri="{91240B29-F687-4f45-9708-019B960494DF}">
-                  <a14:hiddenLine xmlns:a14="http://schemas.microsoft.com/office/drawing/2010/main" xmlns:a16="http://schemas.microsoft.com/office/drawing/2014/main" xmlns="" w="9525">
+                  <a14:hiddenLine xmlns="" xmlns:a16="http://schemas.microsoft.com/office/drawing/2014/main" xmlns:a14="http://schemas.microsoft.com/office/drawing/2010/main" w="9525">
                     <a:solidFill>
                       <a:srgbClr val="000000"/>
                     </a:solidFill>
@@ -16037,6 +16160,13 @@
                 </a:ext>
               </a:extLst>
             </p:spPr>
+            <p:txBody>
+              <a:bodyPr/>
+              <a:lstStyle/>
+              <a:p>
+                <a:endParaRPr lang="pt-BR"/>
+              </a:p>
+            </p:txBody>
           </p:sp>
           <p:sp>
             <p:nvSpPr>
@@ -16103,7 +16233,7 @@
               </a:ln>
               <a:extLst>
                 <a:ext uri="{91240B29-F687-4f45-9708-019B960494DF}">
-                  <a14:hiddenLine xmlns:a14="http://schemas.microsoft.com/office/drawing/2010/main" xmlns:a16="http://schemas.microsoft.com/office/drawing/2014/main" xmlns="" w="9525">
+                  <a14:hiddenLine xmlns="" xmlns:a16="http://schemas.microsoft.com/office/drawing/2014/main" xmlns:a14="http://schemas.microsoft.com/office/drawing/2010/main" w="9525">
                     <a:solidFill>
                       <a:srgbClr val="000000"/>
                     </a:solidFill>
@@ -16114,6 +16244,13 @@
                 </a:ext>
               </a:extLst>
             </p:spPr>
+            <p:txBody>
+              <a:bodyPr/>
+              <a:lstStyle/>
+              <a:p>
+                <a:endParaRPr lang="pt-BR"/>
+              </a:p>
+            </p:txBody>
           </p:sp>
           <p:sp>
             <p:nvSpPr>
@@ -16180,7 +16317,7 @@
               </a:ln>
               <a:extLst>
                 <a:ext uri="{91240B29-F687-4f45-9708-019B960494DF}">
-                  <a14:hiddenLine xmlns:a14="http://schemas.microsoft.com/office/drawing/2010/main" xmlns:a16="http://schemas.microsoft.com/office/drawing/2014/main" xmlns="" w="9525">
+                  <a14:hiddenLine xmlns="" xmlns:a16="http://schemas.microsoft.com/office/drawing/2014/main" xmlns:a14="http://schemas.microsoft.com/office/drawing/2010/main" w="9525">
                     <a:solidFill>
                       <a:srgbClr val="000000"/>
                     </a:solidFill>
@@ -16191,6 +16328,13 @@
                 </a:ext>
               </a:extLst>
             </p:spPr>
+            <p:txBody>
+              <a:bodyPr/>
+              <a:lstStyle/>
+              <a:p>
+                <a:endParaRPr lang="pt-BR"/>
+              </a:p>
+            </p:txBody>
           </p:sp>
           <p:sp>
             <p:nvSpPr>
@@ -16285,7 +16429,7 @@
               </a:ln>
               <a:extLst>
                 <a:ext uri="{91240B29-F687-4f45-9708-019B960494DF}">
-                  <a14:hiddenLine xmlns:a14="http://schemas.microsoft.com/office/drawing/2010/main" xmlns:a16="http://schemas.microsoft.com/office/drawing/2014/main" xmlns="" w="9525">
+                  <a14:hiddenLine xmlns="" xmlns:a16="http://schemas.microsoft.com/office/drawing/2014/main" xmlns:a14="http://schemas.microsoft.com/office/drawing/2010/main" w="9525">
                     <a:solidFill>
                       <a:srgbClr val="000000"/>
                     </a:solidFill>
@@ -16296,6 +16440,13 @@
                 </a:ext>
               </a:extLst>
             </p:spPr>
+            <p:txBody>
+              <a:bodyPr/>
+              <a:lstStyle/>
+              <a:p>
+                <a:endParaRPr lang="pt-BR"/>
+              </a:p>
+            </p:txBody>
           </p:sp>
           <p:sp>
             <p:nvSpPr>
@@ -16334,7 +16485,7 @@
               </a:ln>
               <a:extLst>
                 <a:ext uri="{91240B29-F687-4f45-9708-019B960494DF}">
-                  <a14:hiddenLine xmlns:a14="http://schemas.microsoft.com/office/drawing/2010/main" xmlns:a16="http://schemas.microsoft.com/office/drawing/2014/main" xmlns="" w="9525">
+                  <a14:hiddenLine xmlns="" xmlns:a16="http://schemas.microsoft.com/office/drawing/2014/main" xmlns:a14="http://schemas.microsoft.com/office/drawing/2010/main" w="9525">
                     <a:solidFill>
                       <a:srgbClr val="000000"/>
                     </a:solidFill>
@@ -16345,6 +16496,13 @@
                 </a:ext>
               </a:extLst>
             </p:spPr>
+            <p:txBody>
+              <a:bodyPr/>
+              <a:lstStyle/>
+              <a:p>
+                <a:endParaRPr lang="pt-BR"/>
+              </a:p>
+            </p:txBody>
           </p:sp>
           <p:sp>
             <p:nvSpPr>
@@ -16414,7 +16572,7 @@
               </a:ln>
               <a:extLst>
                 <a:ext uri="{91240B29-F687-4f45-9708-019B960494DF}">
-                  <a14:hiddenLine xmlns:a14="http://schemas.microsoft.com/office/drawing/2010/main" xmlns:a16="http://schemas.microsoft.com/office/drawing/2014/main" xmlns="" w="9525">
+                  <a14:hiddenLine xmlns="" xmlns:a16="http://schemas.microsoft.com/office/drawing/2014/main" xmlns:a14="http://schemas.microsoft.com/office/drawing/2010/main" w="9525">
                     <a:solidFill>
                       <a:srgbClr val="000000"/>
                     </a:solidFill>
@@ -16425,6 +16583,13 @@
                 </a:ext>
               </a:extLst>
             </p:spPr>
+            <p:txBody>
+              <a:bodyPr/>
+              <a:lstStyle/>
+              <a:p>
+                <a:endParaRPr lang="pt-BR"/>
+              </a:p>
+            </p:txBody>
           </p:sp>
           <p:sp>
             <p:nvSpPr>
@@ -16519,7 +16684,7 @@
               </a:ln>
               <a:extLst>
                 <a:ext uri="{91240B29-F687-4f45-9708-019B960494DF}">
-                  <a14:hiddenLine xmlns:a14="http://schemas.microsoft.com/office/drawing/2010/main" xmlns:a16="http://schemas.microsoft.com/office/drawing/2014/main" xmlns="" w="9525">
+                  <a14:hiddenLine xmlns="" xmlns:a16="http://schemas.microsoft.com/office/drawing/2014/main" xmlns:a14="http://schemas.microsoft.com/office/drawing/2010/main" w="9525">
                     <a:solidFill>
                       <a:srgbClr val="000000"/>
                     </a:solidFill>
@@ -16530,6 +16695,13 @@
                 </a:ext>
               </a:extLst>
             </p:spPr>
+            <p:txBody>
+              <a:bodyPr/>
+              <a:lstStyle/>
+              <a:p>
+                <a:endParaRPr lang="pt-BR"/>
+              </a:p>
+            </p:txBody>
           </p:sp>
           <p:sp>
             <p:nvSpPr>
@@ -16596,7 +16768,7 @@
               </a:ln>
               <a:extLst>
                 <a:ext uri="{91240B29-F687-4f45-9708-019B960494DF}">
-                  <a14:hiddenLine xmlns:a14="http://schemas.microsoft.com/office/drawing/2010/main" xmlns:a16="http://schemas.microsoft.com/office/drawing/2014/main" xmlns="" w="9525">
+                  <a14:hiddenLine xmlns="" xmlns:a16="http://schemas.microsoft.com/office/drawing/2014/main" xmlns:a14="http://schemas.microsoft.com/office/drawing/2010/main" w="9525">
                     <a:solidFill>
                       <a:srgbClr val="000000"/>
                     </a:solidFill>
@@ -16607,6 +16779,13 @@
                 </a:ext>
               </a:extLst>
             </p:spPr>
+            <p:txBody>
+              <a:bodyPr/>
+              <a:lstStyle/>
+              <a:p>
+                <a:endParaRPr lang="pt-BR"/>
+              </a:p>
+            </p:txBody>
           </p:sp>
           <p:sp>
             <p:nvSpPr>
@@ -16701,7 +16880,7 @@
               </a:ln>
               <a:extLst>
                 <a:ext uri="{91240B29-F687-4f45-9708-019B960494DF}">
-                  <a14:hiddenLine xmlns:a14="http://schemas.microsoft.com/office/drawing/2010/main" xmlns:a16="http://schemas.microsoft.com/office/drawing/2014/main" xmlns="" w="9525">
+                  <a14:hiddenLine xmlns="" xmlns:a16="http://schemas.microsoft.com/office/drawing/2014/main" xmlns:a14="http://schemas.microsoft.com/office/drawing/2010/main" w="9525">
                     <a:solidFill>
                       <a:srgbClr val="000000"/>
                     </a:solidFill>
@@ -16712,6 +16891,13 @@
                 </a:ext>
               </a:extLst>
             </p:spPr>
+            <p:txBody>
+              <a:bodyPr/>
+              <a:lstStyle/>
+              <a:p>
+                <a:endParaRPr lang="pt-BR"/>
+              </a:p>
+            </p:txBody>
           </p:sp>
           <p:sp>
             <p:nvSpPr>
@@ -16781,7 +16967,7 @@
               </a:ln>
               <a:extLst>
                 <a:ext uri="{91240B29-F687-4f45-9708-019B960494DF}">
-                  <a14:hiddenLine xmlns:a14="http://schemas.microsoft.com/office/drawing/2010/main" xmlns:a16="http://schemas.microsoft.com/office/drawing/2014/main" xmlns="" w="9525">
+                  <a14:hiddenLine xmlns="" xmlns:a16="http://schemas.microsoft.com/office/drawing/2014/main" xmlns:a14="http://schemas.microsoft.com/office/drawing/2010/main" w="9525">
                     <a:solidFill>
                       <a:srgbClr val="000000"/>
                     </a:solidFill>
@@ -16792,6 +16978,13 @@
                 </a:ext>
               </a:extLst>
             </p:spPr>
+            <p:txBody>
+              <a:bodyPr/>
+              <a:lstStyle/>
+              <a:p>
+                <a:endParaRPr lang="pt-BR"/>
+              </a:p>
+            </p:txBody>
           </p:sp>
           <p:sp>
             <p:nvSpPr>
@@ -16858,7 +17051,7 @@
               </a:ln>
               <a:extLst>
                 <a:ext uri="{91240B29-F687-4f45-9708-019B960494DF}">
-                  <a14:hiddenLine xmlns:a14="http://schemas.microsoft.com/office/drawing/2010/main" xmlns:a16="http://schemas.microsoft.com/office/drawing/2014/main" xmlns="" w="9525">
+                  <a14:hiddenLine xmlns="" xmlns:a16="http://schemas.microsoft.com/office/drawing/2014/main" xmlns:a14="http://schemas.microsoft.com/office/drawing/2010/main" w="9525">
                     <a:solidFill>
                       <a:srgbClr val="000000"/>
                     </a:solidFill>
@@ -16869,6 +17062,13 @@
                 </a:ext>
               </a:extLst>
             </p:spPr>
+            <p:txBody>
+              <a:bodyPr/>
+              <a:lstStyle/>
+              <a:p>
+                <a:endParaRPr lang="pt-BR"/>
+              </a:p>
+            </p:txBody>
           </p:sp>
           <p:sp>
             <p:nvSpPr>
@@ -16963,7 +17163,7 @@
               </a:ln>
               <a:extLst>
                 <a:ext uri="{91240B29-F687-4f45-9708-019B960494DF}">
-                  <a14:hiddenLine xmlns:a14="http://schemas.microsoft.com/office/drawing/2010/main" xmlns:a16="http://schemas.microsoft.com/office/drawing/2014/main" xmlns="" w="9525">
+                  <a14:hiddenLine xmlns="" xmlns:a16="http://schemas.microsoft.com/office/drawing/2014/main" xmlns:a14="http://schemas.microsoft.com/office/drawing/2010/main" w="9525">
                     <a:solidFill>
                       <a:srgbClr val="000000"/>
                     </a:solidFill>
@@ -16974,6 +17174,13 @@
                 </a:ext>
               </a:extLst>
             </p:spPr>
+            <p:txBody>
+              <a:bodyPr/>
+              <a:lstStyle/>
+              <a:p>
+                <a:endParaRPr lang="pt-BR"/>
+              </a:p>
+            </p:txBody>
           </p:sp>
           <p:sp>
             <p:nvSpPr>
@@ -17068,7 +17275,7 @@
               </a:ln>
               <a:extLst>
                 <a:ext uri="{91240B29-F687-4f45-9708-019B960494DF}">
-                  <a14:hiddenLine xmlns:a14="http://schemas.microsoft.com/office/drawing/2010/main" xmlns:a16="http://schemas.microsoft.com/office/drawing/2014/main" xmlns="" w="9525">
+                  <a14:hiddenLine xmlns="" xmlns:a16="http://schemas.microsoft.com/office/drawing/2014/main" xmlns:a14="http://schemas.microsoft.com/office/drawing/2010/main" w="9525">
                     <a:solidFill>
                       <a:srgbClr val="000000"/>
                     </a:solidFill>
@@ -17079,6 +17286,13 @@
                 </a:ext>
               </a:extLst>
             </p:spPr>
+            <p:txBody>
+              <a:bodyPr/>
+              <a:lstStyle/>
+              <a:p>
+                <a:endParaRPr lang="pt-BR"/>
+              </a:p>
+            </p:txBody>
           </p:sp>
           <p:sp>
             <p:nvSpPr>
@@ -17148,7 +17362,7 @@
               </a:ln>
               <a:extLst>
                 <a:ext uri="{91240B29-F687-4f45-9708-019B960494DF}">
-                  <a14:hiddenLine xmlns:a14="http://schemas.microsoft.com/office/drawing/2010/main" xmlns:a16="http://schemas.microsoft.com/office/drawing/2014/main" xmlns="" w="9525">
+                  <a14:hiddenLine xmlns="" xmlns:a16="http://schemas.microsoft.com/office/drawing/2014/main" xmlns:a14="http://schemas.microsoft.com/office/drawing/2010/main" w="9525">
                     <a:solidFill>
                       <a:srgbClr val="000000"/>
                     </a:solidFill>
@@ -17159,6 +17373,13 @@
                 </a:ext>
               </a:extLst>
             </p:spPr>
+            <p:txBody>
+              <a:bodyPr/>
+              <a:lstStyle/>
+              <a:p>
+                <a:endParaRPr lang="pt-BR"/>
+              </a:p>
+            </p:txBody>
           </p:sp>
           <p:sp>
             <p:nvSpPr>
@@ -17283,7 +17504,7 @@
               </a:ln>
               <a:extLst>
                 <a:ext uri="{91240B29-F687-4f45-9708-019B960494DF}">
-                  <a14:hiddenLine xmlns:a14="http://schemas.microsoft.com/office/drawing/2010/main" xmlns:a16="http://schemas.microsoft.com/office/drawing/2014/main" xmlns="" w="9525">
+                  <a14:hiddenLine xmlns="" xmlns:a16="http://schemas.microsoft.com/office/drawing/2014/main" xmlns:a14="http://schemas.microsoft.com/office/drawing/2010/main" w="9525">
                     <a:solidFill>
                       <a:srgbClr val="000000"/>
                     </a:solidFill>
@@ -17294,6 +17515,13 @@
                 </a:ext>
               </a:extLst>
             </p:spPr>
+            <p:txBody>
+              <a:bodyPr/>
+              <a:lstStyle/>
+              <a:p>
+                <a:endParaRPr lang="pt-BR"/>
+              </a:p>
+            </p:txBody>
           </p:sp>
         </p:grpSp>
         <p:grpSp>
@@ -17411,7 +17639,7 @@
               </a:ln>
               <a:extLst>
                 <a:ext uri="{91240B29-F687-4f45-9708-019B960494DF}">
-                  <a14:hiddenLine xmlns:a14="http://schemas.microsoft.com/office/drawing/2010/main" xmlns:a16="http://schemas.microsoft.com/office/drawing/2014/main" xmlns="" w="9525">
+                  <a14:hiddenLine xmlns="" xmlns:a16="http://schemas.microsoft.com/office/drawing/2014/main" xmlns:a14="http://schemas.microsoft.com/office/drawing/2010/main" w="9525">
                     <a:solidFill>
                       <a:srgbClr val="000000"/>
                     </a:solidFill>
@@ -17422,6 +17650,13 @@
                 </a:ext>
               </a:extLst>
             </p:spPr>
+            <p:txBody>
+              <a:bodyPr/>
+              <a:lstStyle/>
+              <a:p>
+                <a:endParaRPr lang="pt-BR"/>
+              </a:p>
+            </p:txBody>
           </p:sp>
           <p:sp>
             <p:nvSpPr>
@@ -17541,7 +17776,7 @@
               </a:ln>
               <a:extLst>
                 <a:ext uri="{91240B29-F687-4f45-9708-019B960494DF}">
-                  <a14:hiddenLine xmlns:a14="http://schemas.microsoft.com/office/drawing/2010/main" xmlns:a16="http://schemas.microsoft.com/office/drawing/2014/main" xmlns="" w="9525">
+                  <a14:hiddenLine xmlns="" xmlns:a16="http://schemas.microsoft.com/office/drawing/2014/main" xmlns:a14="http://schemas.microsoft.com/office/drawing/2010/main" w="9525">
                     <a:solidFill>
                       <a:srgbClr val="000000"/>
                     </a:solidFill>
@@ -17552,6 +17787,13 @@
                 </a:ext>
               </a:extLst>
             </p:spPr>
+            <p:txBody>
+              <a:bodyPr/>
+              <a:lstStyle/>
+              <a:p>
+                <a:endParaRPr lang="pt-BR"/>
+              </a:p>
+            </p:txBody>
           </p:sp>
           <p:sp>
             <p:nvSpPr>
@@ -17646,7 +17888,7 @@
               </a:ln>
               <a:extLst>
                 <a:ext uri="{91240B29-F687-4f45-9708-019B960494DF}">
-                  <a14:hiddenLine xmlns:a14="http://schemas.microsoft.com/office/drawing/2010/main" xmlns:a16="http://schemas.microsoft.com/office/drawing/2014/main" xmlns="" w="9525">
+                  <a14:hiddenLine xmlns="" xmlns:a16="http://schemas.microsoft.com/office/drawing/2014/main" xmlns:a14="http://schemas.microsoft.com/office/drawing/2010/main" w="9525">
                     <a:solidFill>
                       <a:srgbClr val="000000"/>
                     </a:solidFill>
@@ -17657,6 +17899,13 @@
                 </a:ext>
               </a:extLst>
             </p:spPr>
+            <p:txBody>
+              <a:bodyPr/>
+              <a:lstStyle/>
+              <a:p>
+                <a:endParaRPr lang="pt-BR"/>
+              </a:p>
+            </p:txBody>
           </p:sp>
           <p:sp>
             <p:nvSpPr>
@@ -17726,7 +17975,7 @@
               </a:ln>
               <a:extLst>
                 <a:ext uri="{91240B29-F687-4f45-9708-019B960494DF}">
-                  <a14:hiddenLine xmlns:a14="http://schemas.microsoft.com/office/drawing/2010/main" xmlns:a16="http://schemas.microsoft.com/office/drawing/2014/main" xmlns="" w="9525">
+                  <a14:hiddenLine xmlns="" xmlns:a16="http://schemas.microsoft.com/office/drawing/2014/main" xmlns:a14="http://schemas.microsoft.com/office/drawing/2010/main" w="9525">
                     <a:solidFill>
                       <a:srgbClr val="000000"/>
                     </a:solidFill>
@@ -17737,6 +17986,13 @@
                 </a:ext>
               </a:extLst>
             </p:spPr>
+            <p:txBody>
+              <a:bodyPr/>
+              <a:lstStyle/>
+              <a:p>
+                <a:endParaRPr lang="pt-BR"/>
+              </a:p>
+            </p:txBody>
           </p:sp>
           <p:sp>
             <p:nvSpPr>
@@ -17831,7 +18087,7 @@
               </a:ln>
               <a:extLst>
                 <a:ext uri="{91240B29-F687-4f45-9708-019B960494DF}">
-                  <a14:hiddenLine xmlns:a14="http://schemas.microsoft.com/office/drawing/2010/main" xmlns:a16="http://schemas.microsoft.com/office/drawing/2014/main" xmlns="" w="9525">
+                  <a14:hiddenLine xmlns="" xmlns:a16="http://schemas.microsoft.com/office/drawing/2014/main" xmlns:a14="http://schemas.microsoft.com/office/drawing/2010/main" w="9525">
                     <a:solidFill>
                       <a:srgbClr val="000000"/>
                     </a:solidFill>
@@ -17842,6 +18098,13 @@
                 </a:ext>
               </a:extLst>
             </p:spPr>
+            <p:txBody>
+              <a:bodyPr/>
+              <a:lstStyle/>
+              <a:p>
+                <a:endParaRPr lang="pt-BR"/>
+              </a:p>
+            </p:txBody>
           </p:sp>
           <p:sp>
             <p:nvSpPr>
@@ -17914,7 +18177,7 @@
               </a:ln>
               <a:extLst>
                 <a:ext uri="{91240B29-F687-4f45-9708-019B960494DF}">
-                  <a14:hiddenLine xmlns:a14="http://schemas.microsoft.com/office/drawing/2010/main" xmlns:a16="http://schemas.microsoft.com/office/drawing/2014/main" xmlns="" w="9525">
+                  <a14:hiddenLine xmlns="" xmlns:a16="http://schemas.microsoft.com/office/drawing/2014/main" xmlns:a14="http://schemas.microsoft.com/office/drawing/2010/main" w="9525">
                     <a:solidFill>
                       <a:srgbClr val="000000"/>
                     </a:solidFill>
@@ -17925,6 +18188,13 @@
                 </a:ext>
               </a:extLst>
             </p:spPr>
+            <p:txBody>
+              <a:bodyPr/>
+              <a:lstStyle/>
+              <a:p>
+                <a:endParaRPr lang="pt-BR"/>
+              </a:p>
+            </p:txBody>
           </p:sp>
           <p:sp>
             <p:nvSpPr>
@@ -18019,7 +18289,7 @@
               </a:ln>
               <a:extLst>
                 <a:ext uri="{91240B29-F687-4f45-9708-019B960494DF}">
-                  <a14:hiddenLine xmlns:a14="http://schemas.microsoft.com/office/drawing/2010/main" xmlns:a16="http://schemas.microsoft.com/office/drawing/2014/main" xmlns="" w="9525">
+                  <a14:hiddenLine xmlns="" xmlns:a16="http://schemas.microsoft.com/office/drawing/2014/main" xmlns:a14="http://schemas.microsoft.com/office/drawing/2010/main" w="9525">
                     <a:solidFill>
                       <a:srgbClr val="000000"/>
                     </a:solidFill>
@@ -18030,6 +18300,13 @@
                 </a:ext>
               </a:extLst>
             </p:spPr>
+            <p:txBody>
+              <a:bodyPr/>
+              <a:lstStyle/>
+              <a:p>
+                <a:endParaRPr lang="pt-BR"/>
+              </a:p>
+            </p:txBody>
           </p:sp>
           <p:sp>
             <p:nvSpPr>
@@ -18102,7 +18379,7 @@
               </a:ln>
               <a:extLst>
                 <a:ext uri="{91240B29-F687-4f45-9708-019B960494DF}">
-                  <a14:hiddenLine xmlns:a14="http://schemas.microsoft.com/office/drawing/2010/main" xmlns:a16="http://schemas.microsoft.com/office/drawing/2014/main" xmlns="" w="9525">
+                  <a14:hiddenLine xmlns="" xmlns:a16="http://schemas.microsoft.com/office/drawing/2014/main" xmlns:a14="http://schemas.microsoft.com/office/drawing/2010/main" w="9525">
                     <a:solidFill>
                       <a:srgbClr val="000000"/>
                     </a:solidFill>
@@ -18113,6 +18390,13 @@
                 </a:ext>
               </a:extLst>
             </p:spPr>
+            <p:txBody>
+              <a:bodyPr/>
+              <a:lstStyle/>
+              <a:p>
+                <a:endParaRPr lang="pt-BR"/>
+              </a:p>
+            </p:txBody>
           </p:sp>
           <p:sp>
             <p:nvSpPr>
@@ -18207,7 +18491,7 @@
               </a:ln>
               <a:extLst>
                 <a:ext uri="{91240B29-F687-4f45-9708-019B960494DF}">
-                  <a14:hiddenLine xmlns:a14="http://schemas.microsoft.com/office/drawing/2010/main" xmlns:a16="http://schemas.microsoft.com/office/drawing/2014/main" xmlns="" w="9525">
+                  <a14:hiddenLine xmlns="" xmlns:a16="http://schemas.microsoft.com/office/drawing/2014/main" xmlns:a14="http://schemas.microsoft.com/office/drawing/2010/main" w="9525">
                     <a:solidFill>
                       <a:srgbClr val="000000"/>
                     </a:solidFill>
@@ -18218,6 +18502,13 @@
                 </a:ext>
               </a:extLst>
             </p:spPr>
+            <p:txBody>
+              <a:bodyPr/>
+              <a:lstStyle/>
+              <a:p>
+                <a:endParaRPr lang="pt-BR"/>
+              </a:p>
+            </p:txBody>
           </p:sp>
           <p:sp>
             <p:nvSpPr>
@@ -18256,7 +18547,7 @@
               </a:ln>
               <a:extLst>
                 <a:ext uri="{91240B29-F687-4f45-9708-019B960494DF}">
-                  <a14:hiddenLine xmlns:a14="http://schemas.microsoft.com/office/drawing/2010/main" xmlns:a16="http://schemas.microsoft.com/office/drawing/2014/main" xmlns="" w="9525">
+                  <a14:hiddenLine xmlns="" xmlns:a16="http://schemas.microsoft.com/office/drawing/2014/main" xmlns:a14="http://schemas.microsoft.com/office/drawing/2010/main" w="9525">
                     <a:solidFill>
                       <a:srgbClr val="000000"/>
                     </a:solidFill>
@@ -18267,6 +18558,13 @@
                 </a:ext>
               </a:extLst>
             </p:spPr>
+            <p:txBody>
+              <a:bodyPr/>
+              <a:lstStyle/>
+              <a:p>
+                <a:endParaRPr lang="pt-BR"/>
+              </a:p>
+            </p:txBody>
           </p:sp>
         </p:grpSp>
       </p:grpSp>
@@ -18442,7 +18740,7 @@
             </a:ln>
             <a:extLst>
               <a:ext uri="{91240B29-F687-4f45-9708-019B960494DF}">
-                <a14:hiddenLine xmlns:a14="http://schemas.microsoft.com/office/drawing/2010/main" xmlns:dgm="http://schemas.openxmlformats.org/drawingml/2006/diagram" xmlns:p14="http://schemas.microsoft.com/office/powerpoint/2010/main" xmlns:a16="http://schemas.microsoft.com/office/drawing/2014/main" xmlns="" w="9525">
+                <a14:hiddenLine xmlns="" xmlns:a16="http://schemas.microsoft.com/office/drawing/2014/main" xmlns:p14="http://schemas.microsoft.com/office/powerpoint/2010/main" xmlns:dgm="http://schemas.openxmlformats.org/drawingml/2006/diagram" xmlns:a14="http://schemas.microsoft.com/office/drawing/2010/main" w="9525">
                   <a:solidFill>
                     <a:srgbClr val="000000"/>
                   </a:solidFill>
@@ -18453,6 +18751,13 @@
               </a:ext>
             </a:extLst>
           </p:spPr>
+          <p:txBody>
+            <a:bodyPr/>
+            <a:lstStyle/>
+            <a:p>
+              <a:endParaRPr lang="pt-BR"/>
+            </a:p>
+          </p:txBody>
         </p:sp>
         <p:sp>
           <p:nvSpPr>
@@ -18547,7 +18852,7 @@
             </a:ln>
             <a:extLst>
               <a:ext uri="{91240B29-F687-4f45-9708-019B960494DF}">
-                <a14:hiddenLine xmlns:a14="http://schemas.microsoft.com/office/drawing/2010/main" xmlns:dgm="http://schemas.openxmlformats.org/drawingml/2006/diagram" xmlns:p14="http://schemas.microsoft.com/office/powerpoint/2010/main" xmlns:a16="http://schemas.microsoft.com/office/drawing/2014/main" xmlns="" w="9525">
+                <a14:hiddenLine xmlns="" xmlns:a16="http://schemas.microsoft.com/office/drawing/2014/main" xmlns:p14="http://schemas.microsoft.com/office/powerpoint/2010/main" xmlns:dgm="http://schemas.openxmlformats.org/drawingml/2006/diagram" xmlns:a14="http://schemas.microsoft.com/office/drawing/2010/main" w="9525">
                   <a:solidFill>
                     <a:srgbClr val="000000"/>
                   </a:solidFill>
@@ -18558,6 +18863,13 @@
               </a:ext>
             </a:extLst>
           </p:spPr>
+          <p:txBody>
+            <a:bodyPr/>
+            <a:lstStyle/>
+            <a:p>
+              <a:endParaRPr lang="pt-BR"/>
+            </a:p>
+          </p:txBody>
         </p:sp>
         <p:sp>
           <p:nvSpPr>
@@ -18652,7 +18964,7 @@
             </a:ln>
             <a:extLst>
               <a:ext uri="{91240B29-F687-4f45-9708-019B960494DF}">
-                <a14:hiddenLine xmlns:a14="http://schemas.microsoft.com/office/drawing/2010/main" xmlns:dgm="http://schemas.openxmlformats.org/drawingml/2006/diagram" xmlns:p14="http://schemas.microsoft.com/office/powerpoint/2010/main" xmlns:a16="http://schemas.microsoft.com/office/drawing/2014/main" xmlns="" w="9525">
+                <a14:hiddenLine xmlns="" xmlns:a16="http://schemas.microsoft.com/office/drawing/2014/main" xmlns:p14="http://schemas.microsoft.com/office/powerpoint/2010/main" xmlns:dgm="http://schemas.openxmlformats.org/drawingml/2006/diagram" xmlns:a14="http://schemas.microsoft.com/office/drawing/2010/main" w="9525">
                   <a:solidFill>
                     <a:srgbClr val="000000"/>
                   </a:solidFill>
@@ -18663,6 +18975,13 @@
               </a:ext>
             </a:extLst>
           </p:spPr>
+          <p:txBody>
+            <a:bodyPr/>
+            <a:lstStyle/>
+            <a:p>
+              <a:endParaRPr lang="pt-BR"/>
+            </a:p>
+          </p:txBody>
         </p:sp>
         <p:sp>
           <p:nvSpPr>
@@ -18729,7 +19048,7 @@
             </a:ln>
             <a:extLst>
               <a:ext uri="{91240B29-F687-4f45-9708-019B960494DF}">
-                <a14:hiddenLine xmlns:a14="http://schemas.microsoft.com/office/drawing/2010/main" xmlns:dgm="http://schemas.openxmlformats.org/drawingml/2006/diagram" xmlns:p14="http://schemas.microsoft.com/office/powerpoint/2010/main" xmlns:a16="http://schemas.microsoft.com/office/drawing/2014/main" xmlns="" w="9525">
+                <a14:hiddenLine xmlns="" xmlns:a16="http://schemas.microsoft.com/office/drawing/2014/main" xmlns:p14="http://schemas.microsoft.com/office/powerpoint/2010/main" xmlns:dgm="http://schemas.openxmlformats.org/drawingml/2006/diagram" xmlns:a14="http://schemas.microsoft.com/office/drawing/2010/main" w="9525">
                   <a:solidFill>
                     <a:srgbClr val="000000"/>
                   </a:solidFill>
@@ -18740,6 +19059,13 @@
               </a:ext>
             </a:extLst>
           </p:spPr>
+          <p:txBody>
+            <a:bodyPr/>
+            <a:lstStyle/>
+            <a:p>
+              <a:endParaRPr lang="pt-BR"/>
+            </a:p>
+          </p:txBody>
         </p:sp>
         <p:sp>
           <p:nvSpPr>
@@ -18834,7 +19160,7 @@
             </a:ln>
             <a:extLst>
               <a:ext uri="{91240B29-F687-4f45-9708-019B960494DF}">
-                <a14:hiddenLine xmlns:a14="http://schemas.microsoft.com/office/drawing/2010/main" xmlns:dgm="http://schemas.openxmlformats.org/drawingml/2006/diagram" xmlns:p14="http://schemas.microsoft.com/office/powerpoint/2010/main" xmlns:a16="http://schemas.microsoft.com/office/drawing/2014/main" xmlns="" w="9525">
+                <a14:hiddenLine xmlns="" xmlns:a16="http://schemas.microsoft.com/office/drawing/2014/main" xmlns:p14="http://schemas.microsoft.com/office/powerpoint/2010/main" xmlns:dgm="http://schemas.openxmlformats.org/drawingml/2006/diagram" xmlns:a14="http://schemas.microsoft.com/office/drawing/2010/main" w="9525">
                   <a:solidFill>
                     <a:srgbClr val="000000"/>
                   </a:solidFill>
@@ -18845,6 +19171,13 @@
               </a:ext>
             </a:extLst>
           </p:spPr>
+          <p:txBody>
+            <a:bodyPr/>
+            <a:lstStyle/>
+            <a:p>
+              <a:endParaRPr lang="pt-BR"/>
+            </a:p>
+          </p:txBody>
         </p:sp>
         <p:sp>
           <p:nvSpPr>
@@ -18911,7 +19244,7 @@
             </a:ln>
             <a:extLst>
               <a:ext uri="{91240B29-F687-4f45-9708-019B960494DF}">
-                <a14:hiddenLine xmlns:a14="http://schemas.microsoft.com/office/drawing/2010/main" xmlns:dgm="http://schemas.openxmlformats.org/drawingml/2006/diagram" xmlns:p14="http://schemas.microsoft.com/office/powerpoint/2010/main" xmlns:a16="http://schemas.microsoft.com/office/drawing/2014/main" xmlns="" w="9525">
+                <a14:hiddenLine xmlns="" xmlns:a16="http://schemas.microsoft.com/office/drawing/2014/main" xmlns:p14="http://schemas.microsoft.com/office/powerpoint/2010/main" xmlns:dgm="http://schemas.openxmlformats.org/drawingml/2006/diagram" xmlns:a14="http://schemas.microsoft.com/office/drawing/2010/main" w="9525">
                   <a:solidFill>
                     <a:srgbClr val="000000"/>
                   </a:solidFill>
@@ -18922,6 +19255,13 @@
               </a:ext>
             </a:extLst>
           </p:spPr>
+          <p:txBody>
+            <a:bodyPr/>
+            <a:lstStyle/>
+            <a:p>
+              <a:endParaRPr lang="pt-BR"/>
+            </a:p>
+          </p:txBody>
         </p:sp>
         <p:sp>
           <p:nvSpPr>
@@ -18988,7 +19328,7 @@
             </a:ln>
             <a:extLst>
               <a:ext uri="{91240B29-F687-4f45-9708-019B960494DF}">
-                <a14:hiddenLine xmlns:a14="http://schemas.microsoft.com/office/drawing/2010/main" xmlns:dgm="http://schemas.openxmlformats.org/drawingml/2006/diagram" xmlns:p14="http://schemas.microsoft.com/office/powerpoint/2010/main" xmlns:a16="http://schemas.microsoft.com/office/drawing/2014/main" xmlns="" w="9525">
+                <a14:hiddenLine xmlns="" xmlns:a16="http://schemas.microsoft.com/office/drawing/2014/main" xmlns:p14="http://schemas.microsoft.com/office/powerpoint/2010/main" xmlns:dgm="http://schemas.openxmlformats.org/drawingml/2006/diagram" xmlns:a14="http://schemas.microsoft.com/office/drawing/2010/main" w="9525">
                   <a:solidFill>
                     <a:srgbClr val="000000"/>
                   </a:solidFill>
@@ -18999,6 +19339,13 @@
               </a:ext>
             </a:extLst>
           </p:spPr>
+          <p:txBody>
+            <a:bodyPr/>
+            <a:lstStyle/>
+            <a:p>
+              <a:endParaRPr lang="pt-BR"/>
+            </a:p>
+          </p:txBody>
         </p:sp>
         <p:sp>
           <p:nvSpPr>
@@ -19093,7 +19440,7 @@
             </a:ln>
             <a:extLst>
               <a:ext uri="{91240B29-F687-4f45-9708-019B960494DF}">
-                <a14:hiddenLine xmlns:a14="http://schemas.microsoft.com/office/drawing/2010/main" xmlns:dgm="http://schemas.openxmlformats.org/drawingml/2006/diagram" xmlns:p14="http://schemas.microsoft.com/office/powerpoint/2010/main" xmlns:a16="http://schemas.microsoft.com/office/drawing/2014/main" xmlns="" w="9525">
+                <a14:hiddenLine xmlns="" xmlns:a16="http://schemas.microsoft.com/office/drawing/2014/main" xmlns:p14="http://schemas.microsoft.com/office/powerpoint/2010/main" xmlns:dgm="http://schemas.openxmlformats.org/drawingml/2006/diagram" xmlns:a14="http://schemas.microsoft.com/office/drawing/2010/main" w="9525">
                   <a:solidFill>
                     <a:srgbClr val="000000"/>
                   </a:solidFill>
@@ -19104,6 +19451,13 @@
               </a:ext>
             </a:extLst>
           </p:spPr>
+          <p:txBody>
+            <a:bodyPr/>
+            <a:lstStyle/>
+            <a:p>
+              <a:endParaRPr lang="pt-BR"/>
+            </a:p>
+          </p:txBody>
         </p:sp>
         <p:sp>
           <p:nvSpPr>
@@ -19198,7 +19552,7 @@
             </a:ln>
             <a:extLst>
               <a:ext uri="{91240B29-F687-4f45-9708-019B960494DF}">
-                <a14:hiddenLine xmlns:a14="http://schemas.microsoft.com/office/drawing/2010/main" xmlns:dgm="http://schemas.openxmlformats.org/drawingml/2006/diagram" xmlns:p14="http://schemas.microsoft.com/office/powerpoint/2010/main" xmlns:a16="http://schemas.microsoft.com/office/drawing/2014/main" xmlns="" w="9525">
+                <a14:hiddenLine xmlns="" xmlns:a16="http://schemas.microsoft.com/office/drawing/2014/main" xmlns:p14="http://schemas.microsoft.com/office/powerpoint/2010/main" xmlns:dgm="http://schemas.openxmlformats.org/drawingml/2006/diagram" xmlns:a14="http://schemas.microsoft.com/office/drawing/2010/main" w="9525">
                   <a:solidFill>
                     <a:srgbClr val="000000"/>
                   </a:solidFill>
@@ -19209,6 +19563,13 @@
               </a:ext>
             </a:extLst>
           </p:spPr>
+          <p:txBody>
+            <a:bodyPr/>
+            <a:lstStyle/>
+            <a:p>
+              <a:endParaRPr lang="pt-BR"/>
+            </a:p>
+          </p:txBody>
         </p:sp>
         <p:sp>
           <p:nvSpPr>
@@ -19275,7 +19636,7 @@
             </a:ln>
             <a:extLst>
               <a:ext uri="{91240B29-F687-4f45-9708-019B960494DF}">
-                <a14:hiddenLine xmlns:a14="http://schemas.microsoft.com/office/drawing/2010/main" xmlns:dgm="http://schemas.openxmlformats.org/drawingml/2006/diagram" xmlns:p14="http://schemas.microsoft.com/office/powerpoint/2010/main" xmlns:a16="http://schemas.microsoft.com/office/drawing/2014/main" xmlns="" w="9525">
+                <a14:hiddenLine xmlns="" xmlns:a16="http://schemas.microsoft.com/office/drawing/2014/main" xmlns:p14="http://schemas.microsoft.com/office/powerpoint/2010/main" xmlns:dgm="http://schemas.openxmlformats.org/drawingml/2006/diagram" xmlns:a14="http://schemas.microsoft.com/office/drawing/2010/main" w="9525">
                   <a:solidFill>
                     <a:srgbClr val="000000"/>
                   </a:solidFill>
@@ -19286,6 +19647,13 @@
               </a:ext>
             </a:extLst>
           </p:spPr>
+          <p:txBody>
+            <a:bodyPr/>
+            <a:lstStyle/>
+            <a:p>
+              <a:endParaRPr lang="pt-BR"/>
+            </a:p>
+          </p:txBody>
         </p:sp>
         <p:sp>
           <p:nvSpPr>
@@ -19400,7 +19768,7 @@
             </a:ln>
             <a:extLst>
               <a:ext uri="{91240B29-F687-4f45-9708-019B960494DF}">
-                <a14:hiddenLine xmlns:a14="http://schemas.microsoft.com/office/drawing/2010/main" xmlns:dgm="http://schemas.openxmlformats.org/drawingml/2006/diagram" xmlns:p14="http://schemas.microsoft.com/office/powerpoint/2010/main" xmlns:a16="http://schemas.microsoft.com/office/drawing/2014/main" xmlns="" w="9525">
+                <a14:hiddenLine xmlns="" xmlns:a16="http://schemas.microsoft.com/office/drawing/2014/main" xmlns:p14="http://schemas.microsoft.com/office/powerpoint/2010/main" xmlns:dgm="http://schemas.openxmlformats.org/drawingml/2006/diagram" xmlns:a14="http://schemas.microsoft.com/office/drawing/2010/main" w="9525">
                   <a:solidFill>
                     <a:srgbClr val="000000"/>
                   </a:solidFill>
@@ -19411,6 +19779,13 @@
               </a:ext>
             </a:extLst>
           </p:spPr>
+          <p:txBody>
+            <a:bodyPr/>
+            <a:lstStyle/>
+            <a:p>
+              <a:endParaRPr lang="pt-BR"/>
+            </a:p>
+          </p:txBody>
         </p:sp>
         <p:sp>
           <p:nvSpPr>
@@ -19454,6 +19829,13 @@
               <a:tailEnd/>
             </a:ln>
           </p:spPr>
+          <p:txBody>
+            <a:bodyPr/>
+            <a:lstStyle/>
+            <a:p>
+              <a:endParaRPr lang="pt-BR"/>
+            </a:p>
+          </p:txBody>
         </p:sp>
         <p:sp>
           <p:nvSpPr>
@@ -19514,7 +19896,7 @@
             </a:ln>
             <a:extLst>
               <a:ext uri="{91240B29-F687-4f45-9708-019B960494DF}">
-                <a14:hiddenLine xmlns:a14="http://schemas.microsoft.com/office/drawing/2010/main" xmlns:dgm="http://schemas.openxmlformats.org/drawingml/2006/diagram" xmlns:p14="http://schemas.microsoft.com/office/powerpoint/2010/main" xmlns:a16="http://schemas.microsoft.com/office/drawing/2014/main" xmlns="" w="9525">
+                <a14:hiddenLine xmlns="" xmlns:a16="http://schemas.microsoft.com/office/drawing/2014/main" xmlns:p14="http://schemas.microsoft.com/office/powerpoint/2010/main" xmlns:dgm="http://schemas.openxmlformats.org/drawingml/2006/diagram" xmlns:a14="http://schemas.microsoft.com/office/drawing/2010/main" w="9525">
                   <a:solidFill>
                     <a:srgbClr val="000000"/>
                   </a:solidFill>
@@ -19525,6 +19907,13 @@
               </a:ext>
             </a:extLst>
           </p:spPr>
+          <p:txBody>
+            <a:bodyPr/>
+            <a:lstStyle/>
+            <a:p>
+              <a:endParaRPr lang="pt-BR"/>
+            </a:p>
+          </p:txBody>
         </p:sp>
         <p:sp>
           <p:nvSpPr>
@@ -19591,7 +19980,7 @@
             </a:ln>
             <a:extLst>
               <a:ext uri="{91240B29-F687-4f45-9708-019B960494DF}">
-                <a14:hiddenLine xmlns:a14="http://schemas.microsoft.com/office/drawing/2010/main" xmlns:dgm="http://schemas.openxmlformats.org/drawingml/2006/diagram" xmlns:p14="http://schemas.microsoft.com/office/powerpoint/2010/main" xmlns:a16="http://schemas.microsoft.com/office/drawing/2014/main" xmlns="" w="9525">
+                <a14:hiddenLine xmlns="" xmlns:a16="http://schemas.microsoft.com/office/drawing/2014/main" xmlns:p14="http://schemas.microsoft.com/office/powerpoint/2010/main" xmlns:dgm="http://schemas.openxmlformats.org/drawingml/2006/diagram" xmlns:a14="http://schemas.microsoft.com/office/drawing/2010/main" w="9525">
                   <a:solidFill>
                     <a:srgbClr val="000000"/>
                   </a:solidFill>
@@ -19602,6 +19991,13 @@
               </a:ext>
             </a:extLst>
           </p:spPr>
+          <p:txBody>
+            <a:bodyPr/>
+            <a:lstStyle/>
+            <a:p>
+              <a:endParaRPr lang="pt-BR"/>
+            </a:p>
+          </p:txBody>
         </p:sp>
         <p:sp>
           <p:nvSpPr>
@@ -19668,7 +20064,7 @@
             </a:ln>
             <a:extLst>
               <a:ext uri="{91240B29-F687-4f45-9708-019B960494DF}">
-                <a14:hiddenLine xmlns:a14="http://schemas.microsoft.com/office/drawing/2010/main" xmlns:dgm="http://schemas.openxmlformats.org/drawingml/2006/diagram" xmlns:p14="http://schemas.microsoft.com/office/powerpoint/2010/main" xmlns:a16="http://schemas.microsoft.com/office/drawing/2014/main" xmlns="" w="9525">
+                <a14:hiddenLine xmlns="" xmlns:a16="http://schemas.microsoft.com/office/drawing/2014/main" xmlns:p14="http://schemas.microsoft.com/office/powerpoint/2010/main" xmlns:dgm="http://schemas.openxmlformats.org/drawingml/2006/diagram" xmlns:a14="http://schemas.microsoft.com/office/drawing/2010/main" w="9525">
                   <a:solidFill>
                     <a:srgbClr val="000000"/>
                   </a:solidFill>
@@ -19679,6 +20075,13 @@
               </a:ext>
             </a:extLst>
           </p:spPr>
+          <p:txBody>
+            <a:bodyPr/>
+            <a:lstStyle/>
+            <a:p>
+              <a:endParaRPr lang="pt-BR"/>
+            </a:p>
+          </p:txBody>
         </p:sp>
         <p:sp>
           <p:nvSpPr>
@@ -19773,7 +20176,7 @@
             </a:ln>
             <a:extLst>
               <a:ext uri="{91240B29-F687-4f45-9708-019B960494DF}">
-                <a14:hiddenLine xmlns:a14="http://schemas.microsoft.com/office/drawing/2010/main" xmlns:dgm="http://schemas.openxmlformats.org/drawingml/2006/diagram" xmlns:p14="http://schemas.microsoft.com/office/powerpoint/2010/main" xmlns:a16="http://schemas.microsoft.com/office/drawing/2014/main" xmlns="" w="9525">
+                <a14:hiddenLine xmlns="" xmlns:a16="http://schemas.microsoft.com/office/drawing/2014/main" xmlns:p14="http://schemas.microsoft.com/office/powerpoint/2010/main" xmlns:dgm="http://schemas.openxmlformats.org/drawingml/2006/diagram" xmlns:a14="http://schemas.microsoft.com/office/drawing/2010/main" w="9525">
                   <a:solidFill>
                     <a:srgbClr val="000000"/>
                   </a:solidFill>
@@ -19784,6 +20187,13 @@
               </a:ext>
             </a:extLst>
           </p:spPr>
+          <p:txBody>
+            <a:bodyPr/>
+            <a:lstStyle/>
+            <a:p>
+              <a:endParaRPr lang="pt-BR"/>
+            </a:p>
+          </p:txBody>
         </p:sp>
         <p:sp>
           <p:nvSpPr>
@@ -19822,7 +20232,7 @@
             </a:ln>
             <a:extLst>
               <a:ext uri="{91240B29-F687-4f45-9708-019B960494DF}">
-                <a14:hiddenLine xmlns:a14="http://schemas.microsoft.com/office/drawing/2010/main" xmlns:dgm="http://schemas.openxmlformats.org/drawingml/2006/diagram" xmlns:p14="http://schemas.microsoft.com/office/powerpoint/2010/main" xmlns:a16="http://schemas.microsoft.com/office/drawing/2014/main" xmlns="" w="9525">
+                <a14:hiddenLine xmlns="" xmlns:a16="http://schemas.microsoft.com/office/drawing/2014/main" xmlns:p14="http://schemas.microsoft.com/office/powerpoint/2010/main" xmlns:dgm="http://schemas.openxmlformats.org/drawingml/2006/diagram" xmlns:a14="http://schemas.microsoft.com/office/drawing/2010/main" w="9525">
                   <a:solidFill>
                     <a:srgbClr val="000000"/>
                   </a:solidFill>
@@ -19833,6 +20243,13 @@
               </a:ext>
             </a:extLst>
           </p:spPr>
+          <p:txBody>
+            <a:bodyPr/>
+            <a:lstStyle/>
+            <a:p>
+              <a:endParaRPr lang="pt-BR"/>
+            </a:p>
+          </p:txBody>
         </p:sp>
         <p:sp>
           <p:nvSpPr>
@@ -19902,7 +20319,7 @@
             </a:ln>
             <a:extLst>
               <a:ext uri="{91240B29-F687-4f45-9708-019B960494DF}">
-                <a14:hiddenLine xmlns:a14="http://schemas.microsoft.com/office/drawing/2010/main" xmlns:dgm="http://schemas.openxmlformats.org/drawingml/2006/diagram" xmlns:p14="http://schemas.microsoft.com/office/powerpoint/2010/main" xmlns:a16="http://schemas.microsoft.com/office/drawing/2014/main" xmlns="" w="9525">
+                <a14:hiddenLine xmlns="" xmlns:a16="http://schemas.microsoft.com/office/drawing/2014/main" xmlns:p14="http://schemas.microsoft.com/office/powerpoint/2010/main" xmlns:dgm="http://schemas.openxmlformats.org/drawingml/2006/diagram" xmlns:a14="http://schemas.microsoft.com/office/drawing/2010/main" w="9525">
                   <a:solidFill>
                     <a:srgbClr val="000000"/>
                   </a:solidFill>
@@ -19913,6 +20330,13 @@
               </a:ext>
             </a:extLst>
           </p:spPr>
+          <p:txBody>
+            <a:bodyPr/>
+            <a:lstStyle/>
+            <a:p>
+              <a:endParaRPr lang="pt-BR"/>
+            </a:p>
+          </p:txBody>
         </p:sp>
         <p:sp>
           <p:nvSpPr>
@@ -20007,7 +20431,7 @@
             </a:ln>
             <a:extLst>
               <a:ext uri="{91240B29-F687-4f45-9708-019B960494DF}">
-                <a14:hiddenLine xmlns:a14="http://schemas.microsoft.com/office/drawing/2010/main" xmlns:dgm="http://schemas.openxmlformats.org/drawingml/2006/diagram" xmlns:p14="http://schemas.microsoft.com/office/powerpoint/2010/main" xmlns:a16="http://schemas.microsoft.com/office/drawing/2014/main" xmlns="" w="9525">
+                <a14:hiddenLine xmlns="" xmlns:a16="http://schemas.microsoft.com/office/drawing/2014/main" xmlns:p14="http://schemas.microsoft.com/office/powerpoint/2010/main" xmlns:dgm="http://schemas.openxmlformats.org/drawingml/2006/diagram" xmlns:a14="http://schemas.microsoft.com/office/drawing/2010/main" w="9525">
                   <a:solidFill>
                     <a:srgbClr val="000000"/>
                   </a:solidFill>
@@ -20018,6 +20442,13 @@
               </a:ext>
             </a:extLst>
           </p:spPr>
+          <p:txBody>
+            <a:bodyPr/>
+            <a:lstStyle/>
+            <a:p>
+              <a:endParaRPr lang="pt-BR"/>
+            </a:p>
+          </p:txBody>
         </p:sp>
         <p:sp>
           <p:nvSpPr>
@@ -20084,7 +20515,7 @@
             </a:ln>
             <a:extLst>
               <a:ext uri="{91240B29-F687-4f45-9708-019B960494DF}">
-                <a14:hiddenLine xmlns:a14="http://schemas.microsoft.com/office/drawing/2010/main" xmlns:dgm="http://schemas.openxmlformats.org/drawingml/2006/diagram" xmlns:p14="http://schemas.microsoft.com/office/powerpoint/2010/main" xmlns:a16="http://schemas.microsoft.com/office/drawing/2014/main" xmlns="" w="9525">
+                <a14:hiddenLine xmlns="" xmlns:a16="http://schemas.microsoft.com/office/drawing/2014/main" xmlns:p14="http://schemas.microsoft.com/office/powerpoint/2010/main" xmlns:dgm="http://schemas.openxmlformats.org/drawingml/2006/diagram" xmlns:a14="http://schemas.microsoft.com/office/drawing/2010/main" w="9525">
                   <a:solidFill>
                     <a:srgbClr val="000000"/>
                   </a:solidFill>
@@ -20095,6 +20526,13 @@
               </a:ext>
             </a:extLst>
           </p:spPr>
+          <p:txBody>
+            <a:bodyPr/>
+            <a:lstStyle/>
+            <a:p>
+              <a:endParaRPr lang="pt-BR"/>
+            </a:p>
+          </p:txBody>
         </p:sp>
         <p:sp>
           <p:nvSpPr>
@@ -20189,7 +20627,7 @@
             </a:ln>
             <a:extLst>
               <a:ext uri="{91240B29-F687-4f45-9708-019B960494DF}">
-                <a14:hiddenLine xmlns:a14="http://schemas.microsoft.com/office/drawing/2010/main" xmlns:dgm="http://schemas.openxmlformats.org/drawingml/2006/diagram" xmlns:p14="http://schemas.microsoft.com/office/powerpoint/2010/main" xmlns:a16="http://schemas.microsoft.com/office/drawing/2014/main" xmlns="" w="9525">
+                <a14:hiddenLine xmlns="" xmlns:a16="http://schemas.microsoft.com/office/drawing/2014/main" xmlns:p14="http://schemas.microsoft.com/office/powerpoint/2010/main" xmlns:dgm="http://schemas.openxmlformats.org/drawingml/2006/diagram" xmlns:a14="http://schemas.microsoft.com/office/drawing/2010/main" w="9525">
                   <a:solidFill>
                     <a:srgbClr val="000000"/>
                   </a:solidFill>
@@ -20200,6 +20638,13 @@
               </a:ext>
             </a:extLst>
           </p:spPr>
+          <p:txBody>
+            <a:bodyPr/>
+            <a:lstStyle/>
+            <a:p>
+              <a:endParaRPr lang="pt-BR"/>
+            </a:p>
+          </p:txBody>
         </p:sp>
         <p:sp>
           <p:nvSpPr>
@@ -20269,7 +20714,7 @@
             </a:ln>
             <a:extLst>
               <a:ext uri="{91240B29-F687-4f45-9708-019B960494DF}">
-                <a14:hiddenLine xmlns:a14="http://schemas.microsoft.com/office/drawing/2010/main" xmlns:dgm="http://schemas.openxmlformats.org/drawingml/2006/diagram" xmlns:p14="http://schemas.microsoft.com/office/powerpoint/2010/main" xmlns:a16="http://schemas.microsoft.com/office/drawing/2014/main" xmlns="" w="9525">
+                <a14:hiddenLine xmlns="" xmlns:a16="http://schemas.microsoft.com/office/drawing/2014/main" xmlns:p14="http://schemas.microsoft.com/office/powerpoint/2010/main" xmlns:dgm="http://schemas.openxmlformats.org/drawingml/2006/diagram" xmlns:a14="http://schemas.microsoft.com/office/drawing/2010/main" w="9525">
                   <a:solidFill>
                     <a:srgbClr val="000000"/>
                   </a:solidFill>
@@ -20280,6 +20725,13 @@
               </a:ext>
             </a:extLst>
           </p:spPr>
+          <p:txBody>
+            <a:bodyPr/>
+            <a:lstStyle/>
+            <a:p>
+              <a:endParaRPr lang="pt-BR"/>
+            </a:p>
+          </p:txBody>
         </p:sp>
         <p:sp>
           <p:nvSpPr>
@@ -20346,7 +20798,7 @@
             </a:ln>
             <a:extLst>
               <a:ext uri="{91240B29-F687-4f45-9708-019B960494DF}">
-                <a14:hiddenLine xmlns:a14="http://schemas.microsoft.com/office/drawing/2010/main" xmlns:dgm="http://schemas.openxmlformats.org/drawingml/2006/diagram" xmlns:p14="http://schemas.microsoft.com/office/powerpoint/2010/main" xmlns:a16="http://schemas.microsoft.com/office/drawing/2014/main" xmlns="" w="9525">
+                <a14:hiddenLine xmlns="" xmlns:a16="http://schemas.microsoft.com/office/drawing/2014/main" xmlns:p14="http://schemas.microsoft.com/office/powerpoint/2010/main" xmlns:dgm="http://schemas.openxmlformats.org/drawingml/2006/diagram" xmlns:a14="http://schemas.microsoft.com/office/drawing/2010/main" w="9525">
                   <a:solidFill>
                     <a:srgbClr val="000000"/>
                   </a:solidFill>
@@ -20357,6 +20809,13 @@
               </a:ext>
             </a:extLst>
           </p:spPr>
+          <p:txBody>
+            <a:bodyPr/>
+            <a:lstStyle/>
+            <a:p>
+              <a:endParaRPr lang="pt-BR"/>
+            </a:p>
+          </p:txBody>
         </p:sp>
         <p:sp>
           <p:nvSpPr>
@@ -20451,7 +20910,7 @@
             </a:ln>
             <a:extLst>
               <a:ext uri="{91240B29-F687-4f45-9708-019B960494DF}">
-                <a14:hiddenLine xmlns:a14="http://schemas.microsoft.com/office/drawing/2010/main" xmlns:dgm="http://schemas.openxmlformats.org/drawingml/2006/diagram" xmlns:p14="http://schemas.microsoft.com/office/powerpoint/2010/main" xmlns:a16="http://schemas.microsoft.com/office/drawing/2014/main" xmlns="" w="9525">
+                <a14:hiddenLine xmlns="" xmlns:a16="http://schemas.microsoft.com/office/drawing/2014/main" xmlns:p14="http://schemas.microsoft.com/office/powerpoint/2010/main" xmlns:dgm="http://schemas.openxmlformats.org/drawingml/2006/diagram" xmlns:a14="http://schemas.microsoft.com/office/drawing/2010/main" w="9525">
                   <a:solidFill>
                     <a:srgbClr val="000000"/>
                   </a:solidFill>
@@ -20462,6 +20921,13 @@
               </a:ext>
             </a:extLst>
           </p:spPr>
+          <p:txBody>
+            <a:bodyPr/>
+            <a:lstStyle/>
+            <a:p>
+              <a:endParaRPr lang="pt-BR"/>
+            </a:p>
+          </p:txBody>
         </p:sp>
         <p:sp>
           <p:nvSpPr>
@@ -20556,7 +21022,7 @@
             </a:ln>
             <a:extLst>
               <a:ext uri="{91240B29-F687-4f45-9708-019B960494DF}">
-                <a14:hiddenLine xmlns:a14="http://schemas.microsoft.com/office/drawing/2010/main" xmlns:dgm="http://schemas.openxmlformats.org/drawingml/2006/diagram" xmlns:p14="http://schemas.microsoft.com/office/powerpoint/2010/main" xmlns:a16="http://schemas.microsoft.com/office/drawing/2014/main" xmlns="" w="9525">
+                <a14:hiddenLine xmlns="" xmlns:a16="http://schemas.microsoft.com/office/drawing/2014/main" xmlns:p14="http://schemas.microsoft.com/office/powerpoint/2010/main" xmlns:dgm="http://schemas.openxmlformats.org/drawingml/2006/diagram" xmlns:a14="http://schemas.microsoft.com/office/drawing/2010/main" w="9525">
                   <a:solidFill>
                     <a:srgbClr val="000000"/>
                   </a:solidFill>
@@ -20567,6 +21033,13 @@
               </a:ext>
             </a:extLst>
           </p:spPr>
+          <p:txBody>
+            <a:bodyPr/>
+            <a:lstStyle/>
+            <a:p>
+              <a:endParaRPr lang="pt-BR"/>
+            </a:p>
+          </p:txBody>
         </p:sp>
         <p:sp>
           <p:nvSpPr>
@@ -20636,7 +21109,7 @@
             </a:ln>
             <a:extLst>
               <a:ext uri="{91240B29-F687-4f45-9708-019B960494DF}">
-                <a14:hiddenLine xmlns:a14="http://schemas.microsoft.com/office/drawing/2010/main" xmlns:dgm="http://schemas.openxmlformats.org/drawingml/2006/diagram" xmlns:p14="http://schemas.microsoft.com/office/powerpoint/2010/main" xmlns:a16="http://schemas.microsoft.com/office/drawing/2014/main" xmlns="" w="9525">
+                <a14:hiddenLine xmlns="" xmlns:a16="http://schemas.microsoft.com/office/drawing/2014/main" xmlns:p14="http://schemas.microsoft.com/office/powerpoint/2010/main" xmlns:dgm="http://schemas.openxmlformats.org/drawingml/2006/diagram" xmlns:a14="http://schemas.microsoft.com/office/drawing/2010/main" w="9525">
                   <a:solidFill>
                     <a:srgbClr val="000000"/>
                   </a:solidFill>
@@ -20647,6 +21120,13 @@
               </a:ext>
             </a:extLst>
           </p:spPr>
+          <p:txBody>
+            <a:bodyPr/>
+            <a:lstStyle/>
+            <a:p>
+              <a:endParaRPr lang="pt-BR"/>
+            </a:p>
+          </p:txBody>
         </p:sp>
         <p:sp>
           <p:nvSpPr>
@@ -20771,7 +21251,7 @@
             </a:ln>
             <a:extLst>
               <a:ext uri="{91240B29-F687-4f45-9708-019B960494DF}">
-                <a14:hiddenLine xmlns:a14="http://schemas.microsoft.com/office/drawing/2010/main" xmlns:dgm="http://schemas.openxmlformats.org/drawingml/2006/diagram" xmlns:p14="http://schemas.microsoft.com/office/powerpoint/2010/main" xmlns:a16="http://schemas.microsoft.com/office/drawing/2014/main" xmlns="" w="9525">
+                <a14:hiddenLine xmlns="" xmlns:a16="http://schemas.microsoft.com/office/drawing/2014/main" xmlns:p14="http://schemas.microsoft.com/office/powerpoint/2010/main" xmlns:dgm="http://schemas.openxmlformats.org/drawingml/2006/diagram" xmlns:a14="http://schemas.microsoft.com/office/drawing/2010/main" w="9525">
                   <a:solidFill>
                     <a:srgbClr val="000000"/>
                   </a:solidFill>
@@ -20782,6 +21262,13 @@
               </a:ext>
             </a:extLst>
           </p:spPr>
+          <p:txBody>
+            <a:bodyPr/>
+            <a:lstStyle/>
+            <a:p>
+              <a:endParaRPr lang="pt-BR"/>
+            </a:p>
+          </p:txBody>
         </p:sp>
       </p:grpSp>
       <p:pic>
@@ -20830,7 +21317,7 @@
           </a:prstGeom>
           <a:extLst>
             <a:ext uri="{909E8E84-426E-40dd-AFC4-6F175D3DCCD1}">
-              <a14:hiddenFill xmlns:a14="http://schemas.microsoft.com/office/drawing/2010/main" xmlns:dgm="http://schemas.openxmlformats.org/drawingml/2006/diagram" xmlns:p14="http://schemas.microsoft.com/office/powerpoint/2010/main" xmlns:a16="http://schemas.microsoft.com/office/drawing/2014/main" xmlns="">
+              <a14:hiddenFill xmlns="" xmlns:a16="http://schemas.microsoft.com/office/drawing/2014/main" xmlns:p14="http://schemas.microsoft.com/office/powerpoint/2010/main" xmlns:dgm="http://schemas.openxmlformats.org/drawingml/2006/diagram" xmlns:a14="http://schemas.microsoft.com/office/drawing/2010/main">
                 <a:solidFill>
                   <a:srgbClr val="FFFFFF"/>
                 </a:solidFill>
@@ -21018,7 +21505,7 @@
             </a:ln>
             <a:extLst>
               <a:ext uri="{91240B29-F687-4f45-9708-019B960494DF}">
-                <a14:hiddenLine xmlns:a14="http://schemas.microsoft.com/office/drawing/2010/main" xmlns:dgm="http://schemas.openxmlformats.org/drawingml/2006/diagram" xmlns:p14="http://schemas.microsoft.com/office/powerpoint/2010/main" xmlns:a16="http://schemas.microsoft.com/office/drawing/2014/main" xmlns="" w="9525">
+                <a14:hiddenLine xmlns="" xmlns:a16="http://schemas.microsoft.com/office/drawing/2014/main" xmlns:p14="http://schemas.microsoft.com/office/powerpoint/2010/main" xmlns:dgm="http://schemas.openxmlformats.org/drawingml/2006/diagram" xmlns:a14="http://schemas.microsoft.com/office/drawing/2010/main" w="9525">
                   <a:solidFill>
                     <a:srgbClr val="000000"/>
                   </a:solidFill>
@@ -21029,6 +21516,13 @@
               </a:ext>
             </a:extLst>
           </p:spPr>
+          <p:txBody>
+            <a:bodyPr/>
+            <a:lstStyle/>
+            <a:p>
+              <a:endParaRPr lang="pt-BR"/>
+            </a:p>
+          </p:txBody>
         </p:sp>
         <p:sp>
           <p:nvSpPr>
@@ -21123,7 +21617,7 @@
             </a:ln>
             <a:extLst>
               <a:ext uri="{91240B29-F687-4f45-9708-019B960494DF}">
-                <a14:hiddenLine xmlns:a14="http://schemas.microsoft.com/office/drawing/2010/main" xmlns:dgm="http://schemas.openxmlformats.org/drawingml/2006/diagram" xmlns:p14="http://schemas.microsoft.com/office/powerpoint/2010/main" xmlns:a16="http://schemas.microsoft.com/office/drawing/2014/main" xmlns="" w="9525">
+                <a14:hiddenLine xmlns="" xmlns:a16="http://schemas.microsoft.com/office/drawing/2014/main" xmlns:p14="http://schemas.microsoft.com/office/powerpoint/2010/main" xmlns:dgm="http://schemas.openxmlformats.org/drawingml/2006/diagram" xmlns:a14="http://schemas.microsoft.com/office/drawing/2010/main" w="9525">
                   <a:solidFill>
                     <a:srgbClr val="000000"/>
                   </a:solidFill>
@@ -21134,6 +21628,13 @@
               </a:ext>
             </a:extLst>
           </p:spPr>
+          <p:txBody>
+            <a:bodyPr/>
+            <a:lstStyle/>
+            <a:p>
+              <a:endParaRPr lang="pt-BR"/>
+            </a:p>
+          </p:txBody>
         </p:sp>
         <p:sp>
           <p:nvSpPr>
@@ -21228,7 +21729,7 @@
             </a:ln>
             <a:extLst>
               <a:ext uri="{91240B29-F687-4f45-9708-019B960494DF}">
-                <a14:hiddenLine xmlns:a14="http://schemas.microsoft.com/office/drawing/2010/main" xmlns:dgm="http://schemas.openxmlformats.org/drawingml/2006/diagram" xmlns:p14="http://schemas.microsoft.com/office/powerpoint/2010/main" xmlns:a16="http://schemas.microsoft.com/office/drawing/2014/main" xmlns="" w="9525">
+                <a14:hiddenLine xmlns="" xmlns:a16="http://schemas.microsoft.com/office/drawing/2014/main" xmlns:p14="http://schemas.microsoft.com/office/powerpoint/2010/main" xmlns:dgm="http://schemas.openxmlformats.org/drawingml/2006/diagram" xmlns:a14="http://schemas.microsoft.com/office/drawing/2010/main" w="9525">
                   <a:solidFill>
                     <a:srgbClr val="000000"/>
                   </a:solidFill>
@@ -21239,6 +21740,13 @@
               </a:ext>
             </a:extLst>
           </p:spPr>
+          <p:txBody>
+            <a:bodyPr/>
+            <a:lstStyle/>
+            <a:p>
+              <a:endParaRPr lang="pt-BR"/>
+            </a:p>
+          </p:txBody>
         </p:sp>
         <p:sp>
           <p:nvSpPr>
@@ -21305,7 +21813,7 @@
             </a:ln>
             <a:extLst>
               <a:ext uri="{91240B29-F687-4f45-9708-019B960494DF}">
-                <a14:hiddenLine xmlns:a14="http://schemas.microsoft.com/office/drawing/2010/main" xmlns:dgm="http://schemas.openxmlformats.org/drawingml/2006/diagram" xmlns:p14="http://schemas.microsoft.com/office/powerpoint/2010/main" xmlns:a16="http://schemas.microsoft.com/office/drawing/2014/main" xmlns="" w="9525">
+                <a14:hiddenLine xmlns="" xmlns:a16="http://schemas.microsoft.com/office/drawing/2014/main" xmlns:p14="http://schemas.microsoft.com/office/powerpoint/2010/main" xmlns:dgm="http://schemas.openxmlformats.org/drawingml/2006/diagram" xmlns:a14="http://schemas.microsoft.com/office/drawing/2010/main" w="9525">
                   <a:solidFill>
                     <a:srgbClr val="000000"/>
                   </a:solidFill>
@@ -21316,6 +21824,13 @@
               </a:ext>
             </a:extLst>
           </p:spPr>
+          <p:txBody>
+            <a:bodyPr/>
+            <a:lstStyle/>
+            <a:p>
+              <a:endParaRPr lang="pt-BR"/>
+            </a:p>
+          </p:txBody>
         </p:sp>
         <p:sp>
           <p:nvSpPr>
@@ -21410,7 +21925,7 @@
             </a:ln>
             <a:extLst>
               <a:ext uri="{91240B29-F687-4f45-9708-019B960494DF}">
-                <a14:hiddenLine xmlns:a14="http://schemas.microsoft.com/office/drawing/2010/main" xmlns:dgm="http://schemas.openxmlformats.org/drawingml/2006/diagram" xmlns:p14="http://schemas.microsoft.com/office/powerpoint/2010/main" xmlns:a16="http://schemas.microsoft.com/office/drawing/2014/main" xmlns="" w="9525">
+                <a14:hiddenLine xmlns="" xmlns:a16="http://schemas.microsoft.com/office/drawing/2014/main" xmlns:p14="http://schemas.microsoft.com/office/powerpoint/2010/main" xmlns:dgm="http://schemas.openxmlformats.org/drawingml/2006/diagram" xmlns:a14="http://schemas.microsoft.com/office/drawing/2010/main" w="9525">
                   <a:solidFill>
                     <a:srgbClr val="000000"/>
                   </a:solidFill>
@@ -21421,6 +21936,13 @@
               </a:ext>
             </a:extLst>
           </p:spPr>
+          <p:txBody>
+            <a:bodyPr/>
+            <a:lstStyle/>
+            <a:p>
+              <a:endParaRPr lang="pt-BR"/>
+            </a:p>
+          </p:txBody>
         </p:sp>
         <p:sp>
           <p:nvSpPr>
@@ -21487,7 +22009,7 @@
             </a:ln>
             <a:extLst>
               <a:ext uri="{91240B29-F687-4f45-9708-019B960494DF}">
-                <a14:hiddenLine xmlns:a14="http://schemas.microsoft.com/office/drawing/2010/main" xmlns:dgm="http://schemas.openxmlformats.org/drawingml/2006/diagram" xmlns:p14="http://schemas.microsoft.com/office/powerpoint/2010/main" xmlns:a16="http://schemas.microsoft.com/office/drawing/2014/main" xmlns="" w="9525">
+                <a14:hiddenLine xmlns="" xmlns:a16="http://schemas.microsoft.com/office/drawing/2014/main" xmlns:p14="http://schemas.microsoft.com/office/powerpoint/2010/main" xmlns:dgm="http://schemas.openxmlformats.org/drawingml/2006/diagram" xmlns:a14="http://schemas.microsoft.com/office/drawing/2010/main" w="9525">
                   <a:solidFill>
                     <a:srgbClr val="000000"/>
                   </a:solidFill>
@@ -21498,6 +22020,13 @@
               </a:ext>
             </a:extLst>
           </p:spPr>
+          <p:txBody>
+            <a:bodyPr/>
+            <a:lstStyle/>
+            <a:p>
+              <a:endParaRPr lang="pt-BR"/>
+            </a:p>
+          </p:txBody>
         </p:sp>
         <p:sp>
           <p:nvSpPr>
@@ -21564,7 +22093,7 @@
             </a:ln>
             <a:extLst>
               <a:ext uri="{91240B29-F687-4f45-9708-019B960494DF}">
-                <a14:hiddenLine xmlns:a14="http://schemas.microsoft.com/office/drawing/2010/main" xmlns:dgm="http://schemas.openxmlformats.org/drawingml/2006/diagram" xmlns:p14="http://schemas.microsoft.com/office/powerpoint/2010/main" xmlns:a16="http://schemas.microsoft.com/office/drawing/2014/main" xmlns="" w="9525">
+                <a14:hiddenLine xmlns="" xmlns:a16="http://schemas.microsoft.com/office/drawing/2014/main" xmlns:p14="http://schemas.microsoft.com/office/powerpoint/2010/main" xmlns:dgm="http://schemas.openxmlformats.org/drawingml/2006/diagram" xmlns:a14="http://schemas.microsoft.com/office/drawing/2010/main" w="9525">
                   <a:solidFill>
                     <a:srgbClr val="000000"/>
                   </a:solidFill>
@@ -21575,6 +22104,13 @@
               </a:ext>
             </a:extLst>
           </p:spPr>
+          <p:txBody>
+            <a:bodyPr/>
+            <a:lstStyle/>
+            <a:p>
+              <a:endParaRPr lang="pt-BR"/>
+            </a:p>
+          </p:txBody>
         </p:sp>
         <p:sp>
           <p:nvSpPr>
@@ -21669,7 +22205,7 @@
             </a:ln>
             <a:extLst>
               <a:ext uri="{91240B29-F687-4f45-9708-019B960494DF}">
-                <a14:hiddenLine xmlns:a14="http://schemas.microsoft.com/office/drawing/2010/main" xmlns:dgm="http://schemas.openxmlformats.org/drawingml/2006/diagram" xmlns:p14="http://schemas.microsoft.com/office/powerpoint/2010/main" xmlns:a16="http://schemas.microsoft.com/office/drawing/2014/main" xmlns="" w="9525">
+                <a14:hiddenLine xmlns="" xmlns:a16="http://schemas.microsoft.com/office/drawing/2014/main" xmlns:p14="http://schemas.microsoft.com/office/powerpoint/2010/main" xmlns:dgm="http://schemas.openxmlformats.org/drawingml/2006/diagram" xmlns:a14="http://schemas.microsoft.com/office/drawing/2010/main" w="9525">
                   <a:solidFill>
                     <a:srgbClr val="000000"/>
                   </a:solidFill>
@@ -21680,6 +22216,13 @@
               </a:ext>
             </a:extLst>
           </p:spPr>
+          <p:txBody>
+            <a:bodyPr/>
+            <a:lstStyle/>
+            <a:p>
+              <a:endParaRPr lang="pt-BR"/>
+            </a:p>
+          </p:txBody>
         </p:sp>
         <p:sp>
           <p:nvSpPr>
@@ -21774,7 +22317,7 @@
             </a:ln>
             <a:extLst>
               <a:ext uri="{91240B29-F687-4f45-9708-019B960494DF}">
-                <a14:hiddenLine xmlns:a14="http://schemas.microsoft.com/office/drawing/2010/main" xmlns:dgm="http://schemas.openxmlformats.org/drawingml/2006/diagram" xmlns:p14="http://schemas.microsoft.com/office/powerpoint/2010/main" xmlns:a16="http://schemas.microsoft.com/office/drawing/2014/main" xmlns="" w="9525">
+                <a14:hiddenLine xmlns="" xmlns:a16="http://schemas.microsoft.com/office/drawing/2014/main" xmlns:p14="http://schemas.microsoft.com/office/powerpoint/2010/main" xmlns:dgm="http://schemas.openxmlformats.org/drawingml/2006/diagram" xmlns:a14="http://schemas.microsoft.com/office/drawing/2010/main" w="9525">
                   <a:solidFill>
                     <a:srgbClr val="000000"/>
                   </a:solidFill>
@@ -21785,6 +22328,13 @@
               </a:ext>
             </a:extLst>
           </p:spPr>
+          <p:txBody>
+            <a:bodyPr/>
+            <a:lstStyle/>
+            <a:p>
+              <a:endParaRPr lang="pt-BR"/>
+            </a:p>
+          </p:txBody>
         </p:sp>
         <p:sp>
           <p:nvSpPr>
@@ -21851,7 +22401,7 @@
             </a:ln>
             <a:extLst>
               <a:ext uri="{91240B29-F687-4f45-9708-019B960494DF}">
-                <a14:hiddenLine xmlns:a14="http://schemas.microsoft.com/office/drawing/2010/main" xmlns:dgm="http://schemas.openxmlformats.org/drawingml/2006/diagram" xmlns:p14="http://schemas.microsoft.com/office/powerpoint/2010/main" xmlns:a16="http://schemas.microsoft.com/office/drawing/2014/main" xmlns="" w="9525">
+                <a14:hiddenLine xmlns="" xmlns:a16="http://schemas.microsoft.com/office/drawing/2014/main" xmlns:p14="http://schemas.microsoft.com/office/powerpoint/2010/main" xmlns:dgm="http://schemas.openxmlformats.org/drawingml/2006/diagram" xmlns:a14="http://schemas.microsoft.com/office/drawing/2010/main" w="9525">
                   <a:solidFill>
                     <a:srgbClr val="000000"/>
                   </a:solidFill>
@@ -21862,6 +22412,13 @@
               </a:ext>
             </a:extLst>
           </p:spPr>
+          <p:txBody>
+            <a:bodyPr/>
+            <a:lstStyle/>
+            <a:p>
+              <a:endParaRPr lang="pt-BR"/>
+            </a:p>
+          </p:txBody>
         </p:sp>
         <p:sp>
           <p:nvSpPr>
@@ -21976,7 +22533,7 @@
             </a:ln>
             <a:extLst>
               <a:ext uri="{91240B29-F687-4f45-9708-019B960494DF}">
-                <a14:hiddenLine xmlns:a14="http://schemas.microsoft.com/office/drawing/2010/main" xmlns:dgm="http://schemas.openxmlformats.org/drawingml/2006/diagram" xmlns:p14="http://schemas.microsoft.com/office/powerpoint/2010/main" xmlns:a16="http://schemas.microsoft.com/office/drawing/2014/main" xmlns="" w="9525">
+                <a14:hiddenLine xmlns="" xmlns:a16="http://schemas.microsoft.com/office/drawing/2014/main" xmlns:p14="http://schemas.microsoft.com/office/powerpoint/2010/main" xmlns:dgm="http://schemas.openxmlformats.org/drawingml/2006/diagram" xmlns:a14="http://schemas.microsoft.com/office/drawing/2010/main" w="9525">
                   <a:solidFill>
                     <a:srgbClr val="000000"/>
                   </a:solidFill>
@@ -21987,6 +22544,13 @@
               </a:ext>
             </a:extLst>
           </p:spPr>
+          <p:txBody>
+            <a:bodyPr/>
+            <a:lstStyle/>
+            <a:p>
+              <a:endParaRPr lang="pt-BR"/>
+            </a:p>
+          </p:txBody>
         </p:sp>
         <p:sp>
           <p:nvSpPr>
@@ -22030,6 +22594,13 @@
               <a:tailEnd/>
             </a:ln>
           </p:spPr>
+          <p:txBody>
+            <a:bodyPr/>
+            <a:lstStyle/>
+            <a:p>
+              <a:endParaRPr lang="pt-BR"/>
+            </a:p>
+          </p:txBody>
         </p:sp>
         <p:sp>
           <p:nvSpPr>
@@ -22090,7 +22661,7 @@
             </a:ln>
             <a:extLst>
               <a:ext uri="{91240B29-F687-4f45-9708-019B960494DF}">
-                <a14:hiddenLine xmlns:a14="http://schemas.microsoft.com/office/drawing/2010/main" xmlns:dgm="http://schemas.openxmlformats.org/drawingml/2006/diagram" xmlns:p14="http://schemas.microsoft.com/office/powerpoint/2010/main" xmlns:a16="http://schemas.microsoft.com/office/drawing/2014/main" xmlns="" w="9525">
+                <a14:hiddenLine xmlns="" xmlns:a16="http://schemas.microsoft.com/office/drawing/2014/main" xmlns:p14="http://schemas.microsoft.com/office/powerpoint/2010/main" xmlns:dgm="http://schemas.openxmlformats.org/drawingml/2006/diagram" xmlns:a14="http://schemas.microsoft.com/office/drawing/2010/main" w="9525">
                   <a:solidFill>
                     <a:srgbClr val="000000"/>
                   </a:solidFill>
@@ -22101,6 +22672,13 @@
               </a:ext>
             </a:extLst>
           </p:spPr>
+          <p:txBody>
+            <a:bodyPr/>
+            <a:lstStyle/>
+            <a:p>
+              <a:endParaRPr lang="pt-BR"/>
+            </a:p>
+          </p:txBody>
         </p:sp>
         <p:sp>
           <p:nvSpPr>
@@ -22167,7 +22745,7 @@
             </a:ln>
             <a:extLst>
               <a:ext uri="{91240B29-F687-4f45-9708-019B960494DF}">
-                <a14:hiddenLine xmlns:a14="http://schemas.microsoft.com/office/drawing/2010/main" xmlns:dgm="http://schemas.openxmlformats.org/drawingml/2006/diagram" xmlns:p14="http://schemas.microsoft.com/office/powerpoint/2010/main" xmlns:a16="http://schemas.microsoft.com/office/drawing/2014/main" xmlns="" w="9525">
+                <a14:hiddenLine xmlns="" xmlns:a16="http://schemas.microsoft.com/office/drawing/2014/main" xmlns:p14="http://schemas.microsoft.com/office/powerpoint/2010/main" xmlns:dgm="http://schemas.openxmlformats.org/drawingml/2006/diagram" xmlns:a14="http://schemas.microsoft.com/office/drawing/2010/main" w="9525">
                   <a:solidFill>
                     <a:srgbClr val="000000"/>
                   </a:solidFill>
@@ -22178,6 +22756,13 @@
               </a:ext>
             </a:extLst>
           </p:spPr>
+          <p:txBody>
+            <a:bodyPr/>
+            <a:lstStyle/>
+            <a:p>
+              <a:endParaRPr lang="pt-BR"/>
+            </a:p>
+          </p:txBody>
         </p:sp>
         <p:sp>
           <p:nvSpPr>
@@ -22244,7 +22829,7 @@
             </a:ln>
             <a:extLst>
               <a:ext uri="{91240B29-F687-4f45-9708-019B960494DF}">
-                <a14:hiddenLine xmlns:a14="http://schemas.microsoft.com/office/drawing/2010/main" xmlns:dgm="http://schemas.openxmlformats.org/drawingml/2006/diagram" xmlns:p14="http://schemas.microsoft.com/office/powerpoint/2010/main" xmlns:a16="http://schemas.microsoft.com/office/drawing/2014/main" xmlns="" w="9525">
+                <a14:hiddenLine xmlns="" xmlns:a16="http://schemas.microsoft.com/office/drawing/2014/main" xmlns:p14="http://schemas.microsoft.com/office/powerpoint/2010/main" xmlns:dgm="http://schemas.openxmlformats.org/drawingml/2006/diagram" xmlns:a14="http://schemas.microsoft.com/office/drawing/2010/main" w="9525">
                   <a:solidFill>
                     <a:srgbClr val="000000"/>
                   </a:solidFill>
@@ -22255,6 +22840,13 @@
               </a:ext>
             </a:extLst>
           </p:spPr>
+          <p:txBody>
+            <a:bodyPr/>
+            <a:lstStyle/>
+            <a:p>
+              <a:endParaRPr lang="pt-BR"/>
+            </a:p>
+          </p:txBody>
         </p:sp>
         <p:sp>
           <p:nvSpPr>
@@ -22349,7 +22941,7 @@
             </a:ln>
             <a:extLst>
               <a:ext uri="{91240B29-F687-4f45-9708-019B960494DF}">
-                <a14:hiddenLine xmlns:a14="http://schemas.microsoft.com/office/drawing/2010/main" xmlns:dgm="http://schemas.openxmlformats.org/drawingml/2006/diagram" xmlns:p14="http://schemas.microsoft.com/office/powerpoint/2010/main" xmlns:a16="http://schemas.microsoft.com/office/drawing/2014/main" xmlns="" w="9525">
+                <a14:hiddenLine xmlns="" xmlns:a16="http://schemas.microsoft.com/office/drawing/2014/main" xmlns:p14="http://schemas.microsoft.com/office/powerpoint/2010/main" xmlns:dgm="http://schemas.openxmlformats.org/drawingml/2006/diagram" xmlns:a14="http://schemas.microsoft.com/office/drawing/2010/main" w="9525">
                   <a:solidFill>
                     <a:srgbClr val="000000"/>
                   </a:solidFill>
@@ -22360,6 +22952,13 @@
               </a:ext>
             </a:extLst>
           </p:spPr>
+          <p:txBody>
+            <a:bodyPr/>
+            <a:lstStyle/>
+            <a:p>
+              <a:endParaRPr lang="pt-BR"/>
+            </a:p>
+          </p:txBody>
         </p:sp>
         <p:sp>
           <p:nvSpPr>
@@ -22398,7 +22997,7 @@
             </a:ln>
             <a:extLst>
               <a:ext uri="{91240B29-F687-4f45-9708-019B960494DF}">
-                <a14:hiddenLine xmlns:a14="http://schemas.microsoft.com/office/drawing/2010/main" xmlns:dgm="http://schemas.openxmlformats.org/drawingml/2006/diagram" xmlns:p14="http://schemas.microsoft.com/office/powerpoint/2010/main" xmlns:a16="http://schemas.microsoft.com/office/drawing/2014/main" xmlns="" w="9525">
+                <a14:hiddenLine xmlns="" xmlns:a16="http://schemas.microsoft.com/office/drawing/2014/main" xmlns:p14="http://schemas.microsoft.com/office/powerpoint/2010/main" xmlns:dgm="http://schemas.openxmlformats.org/drawingml/2006/diagram" xmlns:a14="http://schemas.microsoft.com/office/drawing/2010/main" w="9525">
                   <a:solidFill>
                     <a:srgbClr val="000000"/>
                   </a:solidFill>
@@ -22409,6 +23008,13 @@
               </a:ext>
             </a:extLst>
           </p:spPr>
+          <p:txBody>
+            <a:bodyPr/>
+            <a:lstStyle/>
+            <a:p>
+              <a:endParaRPr lang="pt-BR"/>
+            </a:p>
+          </p:txBody>
         </p:sp>
         <p:sp>
           <p:nvSpPr>
@@ -22478,7 +23084,7 @@
             </a:ln>
             <a:extLst>
               <a:ext uri="{91240B29-F687-4f45-9708-019B960494DF}">
-                <a14:hiddenLine xmlns:a14="http://schemas.microsoft.com/office/drawing/2010/main" xmlns:dgm="http://schemas.openxmlformats.org/drawingml/2006/diagram" xmlns:p14="http://schemas.microsoft.com/office/powerpoint/2010/main" xmlns:a16="http://schemas.microsoft.com/office/drawing/2014/main" xmlns="" w="9525">
+                <a14:hiddenLine xmlns="" xmlns:a16="http://schemas.microsoft.com/office/drawing/2014/main" xmlns:p14="http://schemas.microsoft.com/office/powerpoint/2010/main" xmlns:dgm="http://schemas.openxmlformats.org/drawingml/2006/diagram" xmlns:a14="http://schemas.microsoft.com/office/drawing/2010/main" w="9525">
                   <a:solidFill>
                     <a:srgbClr val="000000"/>
                   </a:solidFill>
@@ -22489,6 +23095,13 @@
               </a:ext>
             </a:extLst>
           </p:spPr>
+          <p:txBody>
+            <a:bodyPr/>
+            <a:lstStyle/>
+            <a:p>
+              <a:endParaRPr lang="pt-BR"/>
+            </a:p>
+          </p:txBody>
         </p:sp>
         <p:sp>
           <p:nvSpPr>
@@ -22583,7 +23196,7 @@
             </a:ln>
             <a:extLst>
               <a:ext uri="{91240B29-F687-4f45-9708-019B960494DF}">
-                <a14:hiddenLine xmlns:a14="http://schemas.microsoft.com/office/drawing/2010/main" xmlns:dgm="http://schemas.openxmlformats.org/drawingml/2006/diagram" xmlns:p14="http://schemas.microsoft.com/office/powerpoint/2010/main" xmlns:a16="http://schemas.microsoft.com/office/drawing/2014/main" xmlns="" w="9525">
+                <a14:hiddenLine xmlns="" xmlns:a16="http://schemas.microsoft.com/office/drawing/2014/main" xmlns:p14="http://schemas.microsoft.com/office/powerpoint/2010/main" xmlns:dgm="http://schemas.openxmlformats.org/drawingml/2006/diagram" xmlns:a14="http://schemas.microsoft.com/office/drawing/2010/main" w="9525">
                   <a:solidFill>
                     <a:srgbClr val="000000"/>
                   </a:solidFill>
@@ -22594,6 +23207,13 @@
               </a:ext>
             </a:extLst>
           </p:spPr>
+          <p:txBody>
+            <a:bodyPr/>
+            <a:lstStyle/>
+            <a:p>
+              <a:endParaRPr lang="pt-BR"/>
+            </a:p>
+          </p:txBody>
         </p:sp>
         <p:sp>
           <p:nvSpPr>
@@ -22660,7 +23280,7 @@
             </a:ln>
             <a:extLst>
               <a:ext uri="{91240B29-F687-4f45-9708-019B960494DF}">
-                <a14:hiddenLine xmlns:a14="http://schemas.microsoft.com/office/drawing/2010/main" xmlns:dgm="http://schemas.openxmlformats.org/drawingml/2006/diagram" xmlns:p14="http://schemas.microsoft.com/office/powerpoint/2010/main" xmlns:a16="http://schemas.microsoft.com/office/drawing/2014/main" xmlns="" w="9525">
+                <a14:hiddenLine xmlns="" xmlns:a16="http://schemas.microsoft.com/office/drawing/2014/main" xmlns:p14="http://schemas.microsoft.com/office/powerpoint/2010/main" xmlns:dgm="http://schemas.openxmlformats.org/drawingml/2006/diagram" xmlns:a14="http://schemas.microsoft.com/office/drawing/2010/main" w="9525">
                   <a:solidFill>
                     <a:srgbClr val="000000"/>
                   </a:solidFill>
@@ -22671,6 +23291,13 @@
               </a:ext>
             </a:extLst>
           </p:spPr>
+          <p:txBody>
+            <a:bodyPr/>
+            <a:lstStyle/>
+            <a:p>
+              <a:endParaRPr lang="pt-BR"/>
+            </a:p>
+          </p:txBody>
         </p:sp>
         <p:sp>
           <p:nvSpPr>
@@ -22765,7 +23392,7 @@
             </a:ln>
             <a:extLst>
               <a:ext uri="{91240B29-F687-4f45-9708-019B960494DF}">
-                <a14:hiddenLine xmlns:a14="http://schemas.microsoft.com/office/drawing/2010/main" xmlns:dgm="http://schemas.openxmlformats.org/drawingml/2006/diagram" xmlns:p14="http://schemas.microsoft.com/office/powerpoint/2010/main" xmlns:a16="http://schemas.microsoft.com/office/drawing/2014/main" xmlns="" w="9525">
+                <a14:hiddenLine xmlns="" xmlns:a16="http://schemas.microsoft.com/office/drawing/2014/main" xmlns:p14="http://schemas.microsoft.com/office/powerpoint/2010/main" xmlns:dgm="http://schemas.openxmlformats.org/drawingml/2006/diagram" xmlns:a14="http://schemas.microsoft.com/office/drawing/2010/main" w="9525">
                   <a:solidFill>
                     <a:srgbClr val="000000"/>
                   </a:solidFill>
@@ -22776,6 +23403,13 @@
               </a:ext>
             </a:extLst>
           </p:spPr>
+          <p:txBody>
+            <a:bodyPr/>
+            <a:lstStyle/>
+            <a:p>
+              <a:endParaRPr lang="pt-BR"/>
+            </a:p>
+          </p:txBody>
         </p:sp>
         <p:sp>
           <p:nvSpPr>
@@ -22845,7 +23479,7 @@
             </a:ln>
             <a:extLst>
               <a:ext uri="{91240B29-F687-4f45-9708-019B960494DF}">
-                <a14:hiddenLine xmlns:a14="http://schemas.microsoft.com/office/drawing/2010/main" xmlns:dgm="http://schemas.openxmlformats.org/drawingml/2006/diagram" xmlns:p14="http://schemas.microsoft.com/office/powerpoint/2010/main" xmlns:a16="http://schemas.microsoft.com/office/drawing/2014/main" xmlns="" w="9525">
+                <a14:hiddenLine xmlns="" xmlns:a16="http://schemas.microsoft.com/office/drawing/2014/main" xmlns:p14="http://schemas.microsoft.com/office/powerpoint/2010/main" xmlns:dgm="http://schemas.openxmlformats.org/drawingml/2006/diagram" xmlns:a14="http://schemas.microsoft.com/office/drawing/2010/main" w="9525">
                   <a:solidFill>
                     <a:srgbClr val="000000"/>
                   </a:solidFill>
@@ -22856,6 +23490,13 @@
               </a:ext>
             </a:extLst>
           </p:spPr>
+          <p:txBody>
+            <a:bodyPr/>
+            <a:lstStyle/>
+            <a:p>
+              <a:endParaRPr lang="pt-BR"/>
+            </a:p>
+          </p:txBody>
         </p:sp>
         <p:sp>
           <p:nvSpPr>
@@ -22922,7 +23563,7 @@
             </a:ln>
             <a:extLst>
               <a:ext uri="{91240B29-F687-4f45-9708-019B960494DF}">
-                <a14:hiddenLine xmlns:a14="http://schemas.microsoft.com/office/drawing/2010/main" xmlns:dgm="http://schemas.openxmlformats.org/drawingml/2006/diagram" xmlns:p14="http://schemas.microsoft.com/office/powerpoint/2010/main" xmlns:a16="http://schemas.microsoft.com/office/drawing/2014/main" xmlns="" w="9525">
+                <a14:hiddenLine xmlns="" xmlns:a16="http://schemas.microsoft.com/office/drawing/2014/main" xmlns:p14="http://schemas.microsoft.com/office/powerpoint/2010/main" xmlns:dgm="http://schemas.openxmlformats.org/drawingml/2006/diagram" xmlns:a14="http://schemas.microsoft.com/office/drawing/2010/main" w="9525">
                   <a:solidFill>
                     <a:srgbClr val="000000"/>
                   </a:solidFill>
@@ -22933,6 +23574,13 @@
               </a:ext>
             </a:extLst>
           </p:spPr>
+          <p:txBody>
+            <a:bodyPr/>
+            <a:lstStyle/>
+            <a:p>
+              <a:endParaRPr lang="pt-BR"/>
+            </a:p>
+          </p:txBody>
         </p:sp>
         <p:sp>
           <p:nvSpPr>
@@ -23027,7 +23675,7 @@
             </a:ln>
             <a:extLst>
               <a:ext uri="{91240B29-F687-4f45-9708-019B960494DF}">
-                <a14:hiddenLine xmlns:a14="http://schemas.microsoft.com/office/drawing/2010/main" xmlns:dgm="http://schemas.openxmlformats.org/drawingml/2006/diagram" xmlns:p14="http://schemas.microsoft.com/office/powerpoint/2010/main" xmlns:a16="http://schemas.microsoft.com/office/drawing/2014/main" xmlns="" w="9525">
+                <a14:hiddenLine xmlns="" xmlns:a16="http://schemas.microsoft.com/office/drawing/2014/main" xmlns:p14="http://schemas.microsoft.com/office/powerpoint/2010/main" xmlns:dgm="http://schemas.openxmlformats.org/drawingml/2006/diagram" xmlns:a14="http://schemas.microsoft.com/office/drawing/2010/main" w="9525">
                   <a:solidFill>
                     <a:srgbClr val="000000"/>
                   </a:solidFill>
@@ -23038,6 +23686,13 @@
               </a:ext>
             </a:extLst>
           </p:spPr>
+          <p:txBody>
+            <a:bodyPr/>
+            <a:lstStyle/>
+            <a:p>
+              <a:endParaRPr lang="pt-BR"/>
+            </a:p>
+          </p:txBody>
         </p:sp>
         <p:sp>
           <p:nvSpPr>
@@ -23132,7 +23787,7 @@
             </a:ln>
             <a:extLst>
               <a:ext uri="{91240B29-F687-4f45-9708-019B960494DF}">
-                <a14:hiddenLine xmlns:a14="http://schemas.microsoft.com/office/drawing/2010/main" xmlns:dgm="http://schemas.openxmlformats.org/drawingml/2006/diagram" xmlns:p14="http://schemas.microsoft.com/office/powerpoint/2010/main" xmlns:a16="http://schemas.microsoft.com/office/drawing/2014/main" xmlns="" w="9525">
+                <a14:hiddenLine xmlns="" xmlns:a16="http://schemas.microsoft.com/office/drawing/2014/main" xmlns:p14="http://schemas.microsoft.com/office/powerpoint/2010/main" xmlns:dgm="http://schemas.openxmlformats.org/drawingml/2006/diagram" xmlns:a14="http://schemas.microsoft.com/office/drawing/2010/main" w="9525">
                   <a:solidFill>
                     <a:srgbClr val="000000"/>
                   </a:solidFill>
@@ -23143,6 +23798,13 @@
               </a:ext>
             </a:extLst>
           </p:spPr>
+          <p:txBody>
+            <a:bodyPr/>
+            <a:lstStyle/>
+            <a:p>
+              <a:endParaRPr lang="pt-BR"/>
+            </a:p>
+          </p:txBody>
         </p:sp>
         <p:sp>
           <p:nvSpPr>
@@ -23212,7 +23874,7 @@
             </a:ln>
             <a:extLst>
               <a:ext uri="{91240B29-F687-4f45-9708-019B960494DF}">
-                <a14:hiddenLine xmlns:a14="http://schemas.microsoft.com/office/drawing/2010/main" xmlns:dgm="http://schemas.openxmlformats.org/drawingml/2006/diagram" xmlns:p14="http://schemas.microsoft.com/office/powerpoint/2010/main" xmlns:a16="http://schemas.microsoft.com/office/drawing/2014/main" xmlns="" w="9525">
+                <a14:hiddenLine xmlns="" xmlns:a16="http://schemas.microsoft.com/office/drawing/2014/main" xmlns:p14="http://schemas.microsoft.com/office/powerpoint/2010/main" xmlns:dgm="http://schemas.openxmlformats.org/drawingml/2006/diagram" xmlns:a14="http://schemas.microsoft.com/office/drawing/2010/main" w="9525">
                   <a:solidFill>
                     <a:srgbClr val="000000"/>
                   </a:solidFill>
@@ -23223,6 +23885,13 @@
               </a:ext>
             </a:extLst>
           </p:spPr>
+          <p:txBody>
+            <a:bodyPr/>
+            <a:lstStyle/>
+            <a:p>
+              <a:endParaRPr lang="pt-BR"/>
+            </a:p>
+          </p:txBody>
         </p:sp>
         <p:sp>
           <p:nvSpPr>
@@ -23347,7 +24016,7 @@
             </a:ln>
             <a:extLst>
               <a:ext uri="{91240B29-F687-4f45-9708-019B960494DF}">
-                <a14:hiddenLine xmlns:a14="http://schemas.microsoft.com/office/drawing/2010/main" xmlns:dgm="http://schemas.openxmlformats.org/drawingml/2006/diagram" xmlns:p14="http://schemas.microsoft.com/office/powerpoint/2010/main" xmlns:a16="http://schemas.microsoft.com/office/drawing/2014/main" xmlns="" w="9525">
+                <a14:hiddenLine xmlns="" xmlns:a16="http://schemas.microsoft.com/office/drawing/2014/main" xmlns:p14="http://schemas.microsoft.com/office/powerpoint/2010/main" xmlns:dgm="http://schemas.openxmlformats.org/drawingml/2006/diagram" xmlns:a14="http://schemas.microsoft.com/office/drawing/2010/main" w="9525">
                   <a:solidFill>
                     <a:srgbClr val="000000"/>
                   </a:solidFill>
@@ -23358,6 +24027,13 @@
               </a:ext>
             </a:extLst>
           </p:spPr>
+          <p:txBody>
+            <a:bodyPr/>
+            <a:lstStyle/>
+            <a:p>
+              <a:endParaRPr lang="pt-BR"/>
+            </a:p>
+          </p:txBody>
         </p:sp>
       </p:grpSp>
       <p:pic>
@@ -23408,7 +24084,7 @@
           <a:noFill/>
           <a:extLst>
             <a:ext uri="{909E8E84-426E-40dd-AFC4-6F175D3DCCD1}">
-              <a14:hiddenFill xmlns:a14="http://schemas.microsoft.com/office/drawing/2010/main" xmlns:dgm="http://schemas.openxmlformats.org/drawingml/2006/diagram" xmlns:p14="http://schemas.microsoft.com/office/powerpoint/2010/main" xmlns:a16="http://schemas.microsoft.com/office/drawing/2014/main" xmlns="">
+              <a14:hiddenFill xmlns="" xmlns:a16="http://schemas.microsoft.com/office/drawing/2014/main" xmlns:p14="http://schemas.microsoft.com/office/powerpoint/2010/main" xmlns:dgm="http://schemas.openxmlformats.org/drawingml/2006/diagram" xmlns:a14="http://schemas.microsoft.com/office/drawing/2010/main">
                 <a:solidFill>
                   <a:srgbClr val="FFFFFF"/>
                 </a:solidFill>
